--- a/09-Github.pptx
+++ b/09-Github.pptx
@@ -13,27 +13,30 @@
     <p:sldId id="269" r:id="rId7"/>
     <p:sldId id="270" r:id="rId8"/>
     <p:sldId id="259" r:id="rId9"/>
-    <p:sldId id="277" r:id="rId10"/>
-    <p:sldId id="271" r:id="rId11"/>
-    <p:sldId id="272" r:id="rId12"/>
-    <p:sldId id="260" r:id="rId13"/>
-    <p:sldId id="263" r:id="rId14"/>
-    <p:sldId id="264" r:id="rId15"/>
-    <p:sldId id="261" r:id="rId16"/>
-    <p:sldId id="266" r:id="rId17"/>
-    <p:sldId id="265" r:id="rId18"/>
-    <p:sldId id="267" r:id="rId19"/>
-    <p:sldId id="273" r:id="rId20"/>
-    <p:sldId id="274" r:id="rId21"/>
-    <p:sldId id="278" r:id="rId22"/>
-    <p:sldId id="279" r:id="rId23"/>
-    <p:sldId id="280" r:id="rId24"/>
-    <p:sldId id="281" r:id="rId25"/>
-    <p:sldId id="282" r:id="rId26"/>
-    <p:sldId id="283" r:id="rId27"/>
-    <p:sldId id="284" r:id="rId28"/>
-    <p:sldId id="285" r:id="rId29"/>
-    <p:sldId id="275" r:id="rId30"/>
+    <p:sldId id="286" r:id="rId10"/>
+    <p:sldId id="277" r:id="rId11"/>
+    <p:sldId id="287" r:id="rId12"/>
+    <p:sldId id="288" r:id="rId13"/>
+    <p:sldId id="271" r:id="rId14"/>
+    <p:sldId id="272" r:id="rId15"/>
+    <p:sldId id="260" r:id="rId16"/>
+    <p:sldId id="263" r:id="rId17"/>
+    <p:sldId id="264" r:id="rId18"/>
+    <p:sldId id="261" r:id="rId19"/>
+    <p:sldId id="266" r:id="rId20"/>
+    <p:sldId id="265" r:id="rId21"/>
+    <p:sldId id="267" r:id="rId22"/>
+    <p:sldId id="273" r:id="rId23"/>
+    <p:sldId id="274" r:id="rId24"/>
+    <p:sldId id="278" r:id="rId25"/>
+    <p:sldId id="279" r:id="rId26"/>
+    <p:sldId id="280" r:id="rId27"/>
+    <p:sldId id="281" r:id="rId28"/>
+    <p:sldId id="282" r:id="rId29"/>
+    <p:sldId id="283" r:id="rId30"/>
+    <p:sldId id="284" r:id="rId31"/>
+    <p:sldId id="285" r:id="rId32"/>
+    <p:sldId id="275" r:id="rId33"/>
   </p:sldIdLst>
   <p:sldSz cx="12192000" cy="6858000"/>
   <p:notesSz cx="6858000" cy="9144000"/>
@@ -3388,6 +3391,1012 @@
       </p:grpSpPr>
       <p:sp>
         <p:nvSpPr>
+          <p:cNvPr id="2" name="제목 1">
+            <a:extLst>
+              <a:ext uri="{FF2B5EF4-FFF2-40B4-BE49-F238E27FC236}">
+                <a16:creationId xmlns:a16="http://schemas.microsoft.com/office/drawing/2014/main" id="{D95CB9DE-78DF-4238-9045-BD877CABDAA1}"/>
+              </a:ext>
+            </a:extLst>
+          </p:cNvPr>
+          <p:cNvSpPr>
+            <a:spLocks noGrp="1"/>
+          </p:cNvSpPr>
+          <p:nvPr>
+            <p:ph type="title"/>
+          </p:nvPr>
+        </p:nvSpPr>
+        <p:spPr>
+          <a:xfrm>
+            <a:off x="151453" y="104406"/>
+            <a:ext cx="10515600" cy="989289"/>
+          </a:xfrm>
+        </p:spPr>
+        <p:txBody>
+          <a:bodyPr/>
+          <a:lstStyle/>
+          <a:p>
+            <a:r>
+              <a:rPr lang="ko-KR" altLang="en-US" dirty="0"/>
+              <a:t>로컬 저장소</a:t>
+            </a:r>
+            <a:r>
+              <a:rPr lang="en-US" altLang="ko-KR" dirty="0"/>
+              <a:t>(Local Repository) </a:t>
+            </a:r>
+            <a:r>
+              <a:rPr lang="ko-KR" altLang="en-US" dirty="0"/>
+              <a:t>관리</a:t>
+            </a:r>
+            <a:r>
+              <a:rPr lang="en-US" altLang="ko-KR" dirty="0"/>
+              <a:t>  </a:t>
+            </a:r>
+            <a:endParaRPr lang="ko-KR" altLang="en-US" dirty="0"/>
+          </a:p>
+        </p:txBody>
+      </p:sp>
+      <p:sp>
+        <p:nvSpPr>
+          <p:cNvPr id="3" name="내용 개체 틀 2">
+            <a:extLst>
+              <a:ext uri="{FF2B5EF4-FFF2-40B4-BE49-F238E27FC236}">
+                <a16:creationId xmlns:a16="http://schemas.microsoft.com/office/drawing/2014/main" id="{A3389BB5-0D3E-45F5-871F-9B7742026947}"/>
+              </a:ext>
+            </a:extLst>
+          </p:cNvPr>
+          <p:cNvSpPr>
+            <a:spLocks noGrp="1"/>
+          </p:cNvSpPr>
+          <p:nvPr>
+            <p:ph idx="1"/>
+          </p:nvPr>
+        </p:nvSpPr>
+        <p:spPr>
+          <a:xfrm>
+            <a:off x="838200" y="1133154"/>
+            <a:ext cx="10515600" cy="5193727"/>
+          </a:xfrm>
+        </p:spPr>
+        <p:txBody>
+          <a:bodyPr>
+            <a:normAutofit/>
+          </a:bodyPr>
+          <a:lstStyle/>
+          <a:p>
+            <a:r>
+              <a:rPr lang="en-US" altLang="ko-KR" dirty="0"/>
+              <a:t>$ vi README.md  // </a:t>
+            </a:r>
+            <a:r>
+              <a:rPr lang="ko-KR" altLang="en-US" dirty="0"/>
+              <a:t>기존 파일 수정</a:t>
+            </a:r>
+            <a:endParaRPr lang="en-US" altLang="ko-KR" dirty="0"/>
+          </a:p>
+          <a:p>
+            <a:r>
+              <a:rPr lang="en-US" altLang="ko-KR" dirty="0"/>
+              <a:t>md</a:t>
+            </a:r>
+            <a:r>
+              <a:rPr lang="ko-KR" altLang="en-US" dirty="0"/>
+              <a:t> 파일은 </a:t>
+            </a:r>
+            <a:r>
+              <a:rPr lang="en-US" altLang="ko-KR" dirty="0"/>
+              <a:t>mark down </a:t>
+            </a:r>
+            <a:r>
+              <a:rPr lang="ko-KR" altLang="en-US" dirty="0"/>
+              <a:t>형식의 파일임</a:t>
+            </a:r>
+            <a:endParaRPr lang="en-US" altLang="ko-KR" dirty="0"/>
+          </a:p>
+          <a:p>
+            <a:pPr lvl="1"/>
+            <a:r>
+              <a:rPr lang="ko-KR" altLang="en-US" dirty="0"/>
+              <a:t>참고 </a:t>
+            </a:r>
+            <a:r>
+              <a:rPr lang="en-US" altLang="ko-KR" dirty="0"/>
+              <a:t>: </a:t>
+            </a:r>
+            <a:r>
+              <a:rPr lang="en-US" altLang="ko-KR" sz="2000" dirty="0">
+                <a:hlinkClick r:id="rId2"/>
+              </a:rPr>
+              <a:t>https://gist.github.com/ihoneymon/652be052a0727ad59601</a:t>
+            </a:r>
+            <a:endParaRPr lang="en-US" altLang="ko-KR" dirty="0"/>
+          </a:p>
+          <a:p>
+            <a:endParaRPr lang="en-US" altLang="ko-KR" dirty="0"/>
+          </a:p>
+          <a:p>
+            <a:endParaRPr lang="en-US" altLang="ko-KR" dirty="0"/>
+          </a:p>
+          <a:p>
+            <a:endParaRPr lang="en-US" altLang="ko-KR" dirty="0"/>
+          </a:p>
+          <a:p>
+            <a:endParaRPr lang="en-US" altLang="ko-KR" dirty="0"/>
+          </a:p>
+          <a:p>
+            <a:endParaRPr lang="en-US" altLang="ko-KR" dirty="0"/>
+          </a:p>
+          <a:p>
+            <a:pPr lvl="1"/>
+            <a:endParaRPr lang="en-US" altLang="ko-KR" dirty="0"/>
+          </a:p>
+        </p:txBody>
+      </p:sp>
+      <p:pic>
+        <p:nvPicPr>
+          <p:cNvPr id="4" name="그림 3"/>
+          <p:cNvPicPr>
+            <a:picLocks noChangeAspect="1"/>
+          </p:cNvPicPr>
+          <p:nvPr/>
+        </p:nvPicPr>
+        <p:blipFill>
+          <a:blip r:embed="rId3"/>
+          <a:stretch>
+            <a:fillRect/>
+          </a:stretch>
+        </p:blipFill>
+        <p:spPr>
+          <a:xfrm>
+            <a:off x="6096000" y="2865159"/>
+            <a:ext cx="2743583" cy="3677163"/>
+          </a:xfrm>
+          <a:prstGeom prst="rect">
+            <a:avLst/>
+          </a:prstGeom>
+          <a:ln>
+            <a:solidFill>
+              <a:schemeClr val="tx1">
+                <a:lumMod val="75000"/>
+                <a:lumOff val="25000"/>
+              </a:schemeClr>
+            </a:solidFill>
+          </a:ln>
+        </p:spPr>
+      </p:pic>
+      <p:pic>
+        <p:nvPicPr>
+          <p:cNvPr id="8" name="그림 7"/>
+          <p:cNvPicPr>
+            <a:picLocks noChangeAspect="1"/>
+          </p:cNvPicPr>
+          <p:nvPr/>
+        </p:nvPicPr>
+        <p:blipFill>
+          <a:blip r:embed="rId4"/>
+          <a:stretch>
+            <a:fillRect/>
+          </a:stretch>
+        </p:blipFill>
+        <p:spPr>
+          <a:xfrm>
+            <a:off x="820648" y="2865159"/>
+            <a:ext cx="3807268" cy="3422263"/>
+          </a:xfrm>
+          <a:prstGeom prst="rect">
+            <a:avLst/>
+          </a:prstGeom>
+          <a:ln>
+            <a:solidFill>
+              <a:schemeClr val="tx1">
+                <a:lumMod val="75000"/>
+                <a:lumOff val="25000"/>
+              </a:schemeClr>
+            </a:solidFill>
+          </a:ln>
+        </p:spPr>
+      </p:pic>
+      <p:sp>
+        <p:nvSpPr>
+          <p:cNvPr id="9" name="TextBox 8"/>
+          <p:cNvSpPr txBox="1"/>
+          <p:nvPr/>
+        </p:nvSpPr>
+        <p:spPr>
+          <a:xfrm>
+            <a:off x="1939769" y="6326881"/>
+            <a:ext cx="2900666" cy="369332"/>
+          </a:xfrm>
+          <a:prstGeom prst="rect">
+            <a:avLst/>
+          </a:prstGeom>
+          <a:noFill/>
+        </p:spPr>
+        <p:txBody>
+          <a:bodyPr wrap="none" rtlCol="0">
+            <a:spAutoFit/>
+          </a:bodyPr>
+          <a:lstStyle/>
+          <a:p>
+            <a:r>
+              <a:rPr lang="en-US" altLang="ko-KR" b="1" dirty="0" smtClean="0">
+                <a:solidFill>
+                  <a:srgbClr val="0000FF"/>
+                </a:solidFill>
+              </a:rPr>
+              <a:t>markdown </a:t>
+            </a:r>
+            <a:r>
+              <a:rPr lang="ko-KR" altLang="en-US" b="1" dirty="0" smtClean="0">
+                <a:solidFill>
+                  <a:srgbClr val="0000FF"/>
+                </a:solidFill>
+              </a:rPr>
+              <a:t>포맷으로 작성</a:t>
+            </a:r>
+            <a:endParaRPr lang="ko-KR" altLang="en-US" b="1" dirty="0">
+              <a:solidFill>
+                <a:srgbClr val="0000FF"/>
+              </a:solidFill>
+            </a:endParaRPr>
+          </a:p>
+        </p:txBody>
+      </p:sp>
+      <p:sp>
+        <p:nvSpPr>
+          <p:cNvPr id="10" name="TextBox 9"/>
+          <p:cNvSpPr txBox="1"/>
+          <p:nvPr/>
+        </p:nvSpPr>
+        <p:spPr>
+          <a:xfrm>
+            <a:off x="8858551" y="6181674"/>
+            <a:ext cx="646331" cy="369332"/>
+          </a:xfrm>
+          <a:prstGeom prst="rect">
+            <a:avLst/>
+          </a:prstGeom>
+          <a:noFill/>
+        </p:spPr>
+        <p:txBody>
+          <a:bodyPr wrap="none" rtlCol="0">
+            <a:spAutoFit/>
+          </a:bodyPr>
+          <a:lstStyle/>
+          <a:p>
+            <a:r>
+              <a:rPr lang="ko-KR" altLang="en-US" dirty="0" smtClean="0">
+                <a:solidFill>
+                  <a:srgbClr val="0000FF"/>
+                </a:solidFill>
+              </a:rPr>
+              <a:t>실행</a:t>
+            </a:r>
+            <a:endParaRPr lang="ko-KR" altLang="en-US" dirty="0">
+              <a:solidFill>
+                <a:srgbClr val="0000FF"/>
+              </a:solidFill>
+            </a:endParaRPr>
+          </a:p>
+        </p:txBody>
+      </p:sp>
+    </p:spTree>
+    <p:extLst>
+      <p:ext uri="{BB962C8B-B14F-4D97-AF65-F5344CB8AC3E}">
+        <p14:creationId xmlns:p14="http://schemas.microsoft.com/office/powerpoint/2010/main" val="1768488341"/>
+      </p:ext>
+    </p:extLst>
+  </p:cSld>
+  <p:clrMapOvr>
+    <a:masterClrMapping/>
+  </p:clrMapOvr>
+  <p:timing>
+    <p:tnLst>
+      <p:par>
+        <p:cTn id="1" dur="indefinite" restart="never" nodeType="tmRoot"/>
+      </p:par>
+    </p:tnLst>
+  </p:timing>
+</p:sld>
+</file>
+
+<file path=ppt/slides/slide11.xml><?xml version="1.0" encoding="utf-8"?>
+<p:sld xmlns:a="http://schemas.openxmlformats.org/drawingml/2006/main" xmlns:r="http://schemas.openxmlformats.org/officeDocument/2006/relationships" xmlns:p="http://schemas.openxmlformats.org/presentationml/2006/main">
+  <p:cSld>
+    <p:spTree>
+      <p:nvGrpSpPr>
+        <p:cNvPr id="1" name=""/>
+        <p:cNvGrpSpPr/>
+        <p:nvPr/>
+      </p:nvGrpSpPr>
+      <p:grpSpPr>
+        <a:xfrm>
+          <a:off x="0" y="0"/>
+          <a:ext cx="0" cy="0"/>
+          <a:chOff x="0" y="0"/>
+          <a:chExt cx="0" cy="0"/>
+        </a:xfrm>
+      </p:grpSpPr>
+      <p:sp>
+        <p:nvSpPr>
+          <p:cNvPr id="3" name="내용 개체 틀 2">
+            <a:extLst>
+              <a:ext uri="{FF2B5EF4-FFF2-40B4-BE49-F238E27FC236}">
+                <a16:creationId xmlns:a16="http://schemas.microsoft.com/office/drawing/2014/main" id="{A3389BB5-0D3E-45F5-871F-9B7742026947}"/>
+              </a:ext>
+            </a:extLst>
+          </p:cNvPr>
+          <p:cNvSpPr>
+            <a:spLocks noGrp="1"/>
+          </p:cNvSpPr>
+          <p:nvPr>
+            <p:ph idx="1"/>
+          </p:nvPr>
+        </p:nvSpPr>
+        <p:spPr>
+          <a:xfrm>
+            <a:off x="838200" y="221335"/>
+            <a:ext cx="10515600" cy="5265160"/>
+          </a:xfrm>
+        </p:spPr>
+        <p:txBody>
+          <a:bodyPr>
+            <a:normAutofit lnSpcReduction="10000"/>
+          </a:bodyPr>
+          <a:lstStyle/>
+          <a:p>
+            <a:r>
+              <a:rPr lang="en-US" altLang="ko-KR" dirty="0"/>
+              <a:t>$ git status    // </a:t>
+            </a:r>
+            <a:r>
+              <a:rPr lang="ko-KR" altLang="en-US" dirty="0"/>
+              <a:t>아직 </a:t>
+            </a:r>
+            <a:r>
+              <a:rPr lang="en-US" altLang="ko-KR" dirty="0"/>
+              <a:t>staging area(INDEX)</a:t>
+            </a:r>
+            <a:r>
+              <a:rPr lang="ko-KR" altLang="en-US" dirty="0"/>
+              <a:t>에 들어가지 않음</a:t>
+            </a:r>
+            <a:endParaRPr lang="en-US" altLang="ko-KR" dirty="0"/>
+          </a:p>
+          <a:p>
+            <a:endParaRPr lang="en-US" altLang="ko-KR" dirty="0"/>
+          </a:p>
+          <a:p>
+            <a:endParaRPr lang="en-US" altLang="ko-KR" dirty="0"/>
+          </a:p>
+          <a:p>
+            <a:endParaRPr lang="en-US" altLang="ko-KR" dirty="0"/>
+          </a:p>
+          <a:p>
+            <a:endParaRPr lang="en-US" altLang="ko-KR" dirty="0"/>
+          </a:p>
+          <a:p>
+            <a:endParaRPr lang="en-US" altLang="ko-KR" dirty="0"/>
+          </a:p>
+          <a:p>
+            <a:pPr marL="0" indent="0">
+              <a:buNone/>
+            </a:pPr>
+            <a:endParaRPr lang="en-US" altLang="ko-KR" dirty="0"/>
+          </a:p>
+          <a:p>
+            <a:endParaRPr lang="en-US" altLang="ko-KR" dirty="0" smtClean="0"/>
+          </a:p>
+          <a:p>
+            <a:endParaRPr lang="en-US" altLang="ko-KR" dirty="0" smtClean="0"/>
+          </a:p>
+          <a:p>
+            <a:r>
+              <a:rPr lang="en-US" altLang="ko-KR" dirty="0" smtClean="0"/>
+              <a:t>$ </a:t>
+            </a:r>
+            <a:r>
+              <a:rPr lang="en-US" altLang="ko-KR" dirty="0"/>
+              <a:t>git add *   // working directory</a:t>
+            </a:r>
+            <a:r>
+              <a:rPr lang="ko-KR" altLang="en-US" dirty="0"/>
+              <a:t>의 모든 파일을 </a:t>
+            </a:r>
+            <a:r>
+              <a:rPr lang="en-US" altLang="ko-KR" dirty="0"/>
+              <a:t>stage</a:t>
+            </a:r>
+            <a:r>
+              <a:rPr lang="ko-KR" altLang="en-US" dirty="0"/>
+              <a:t>에 </a:t>
+            </a:r>
+            <a:r>
+              <a:rPr lang="en-US" altLang="ko-KR" dirty="0"/>
+              <a:t>add</a:t>
+            </a:r>
+          </a:p>
+          <a:p>
+            <a:endParaRPr lang="en-US" altLang="ko-KR" dirty="0"/>
+          </a:p>
+          <a:p>
+            <a:pPr lvl="1"/>
+            <a:endParaRPr lang="en-US" altLang="ko-KR" dirty="0"/>
+          </a:p>
+        </p:txBody>
+      </p:sp>
+      <p:pic>
+        <p:nvPicPr>
+          <p:cNvPr id="2" name="그림 1"/>
+          <p:cNvPicPr>
+            <a:picLocks noChangeAspect="1"/>
+          </p:cNvPicPr>
+          <p:nvPr/>
+        </p:nvPicPr>
+        <p:blipFill>
+          <a:blip r:embed="rId2"/>
+          <a:stretch>
+            <a:fillRect/>
+          </a:stretch>
+        </p:blipFill>
+        <p:spPr>
+          <a:xfrm>
+            <a:off x="93510" y="752233"/>
+            <a:ext cx="5928025" cy="3775162"/>
+          </a:xfrm>
+          <a:prstGeom prst="rect">
+            <a:avLst/>
+          </a:prstGeom>
+        </p:spPr>
+      </p:pic>
+      <p:pic>
+        <p:nvPicPr>
+          <p:cNvPr id="4" name="그림 3"/>
+          <p:cNvPicPr>
+            <a:picLocks noChangeAspect="1"/>
+          </p:cNvPicPr>
+          <p:nvPr/>
+        </p:nvPicPr>
+        <p:blipFill>
+          <a:blip r:embed="rId3"/>
+          <a:stretch>
+            <a:fillRect/>
+          </a:stretch>
+        </p:blipFill>
+        <p:spPr>
+          <a:xfrm>
+            <a:off x="6174767" y="752233"/>
+            <a:ext cx="5928025" cy="3775162"/>
+          </a:xfrm>
+          <a:prstGeom prst="rect">
+            <a:avLst/>
+          </a:prstGeom>
+        </p:spPr>
+      </p:pic>
+      <p:sp>
+        <p:nvSpPr>
+          <p:cNvPr id="7" name="직사각형 6"/>
+          <p:cNvSpPr/>
+          <p:nvPr/>
+        </p:nvSpPr>
+        <p:spPr>
+          <a:xfrm>
+            <a:off x="48431" y="1151992"/>
+            <a:ext cx="1211658" cy="219608"/>
+          </a:xfrm>
+          <a:prstGeom prst="rect">
+            <a:avLst/>
+          </a:prstGeom>
+          <a:noFill/>
+          <a:ln>
+            <a:solidFill>
+              <a:srgbClr val="FF0000"/>
+            </a:solidFill>
+          </a:ln>
+        </p:spPr>
+        <p:style>
+          <a:lnRef idx="2">
+            <a:schemeClr val="accent1">
+              <a:shade val="50000"/>
+            </a:schemeClr>
+          </a:lnRef>
+          <a:fillRef idx="1">
+            <a:schemeClr val="accent1"/>
+          </a:fillRef>
+          <a:effectRef idx="0">
+            <a:schemeClr val="accent1"/>
+          </a:effectRef>
+          <a:fontRef idx="minor">
+            <a:schemeClr val="lt1"/>
+          </a:fontRef>
+        </p:style>
+        <p:txBody>
+          <a:bodyPr rtlCol="0" anchor="ctr"/>
+          <a:lstStyle/>
+          <a:p>
+            <a:pPr algn="ctr"/>
+            <a:endParaRPr lang="ko-KR" altLang="en-US"/>
+          </a:p>
+        </p:txBody>
+      </p:sp>
+      <p:sp>
+        <p:nvSpPr>
+          <p:cNvPr id="8" name="직사각형 7"/>
+          <p:cNvSpPr/>
+          <p:nvPr/>
+        </p:nvSpPr>
+        <p:spPr>
+          <a:xfrm>
+            <a:off x="6185443" y="1151992"/>
+            <a:ext cx="951337" cy="219608"/>
+          </a:xfrm>
+          <a:prstGeom prst="rect">
+            <a:avLst/>
+          </a:prstGeom>
+          <a:noFill/>
+          <a:ln>
+            <a:solidFill>
+              <a:srgbClr val="FF0000"/>
+            </a:solidFill>
+          </a:ln>
+        </p:spPr>
+        <p:style>
+          <a:lnRef idx="2">
+            <a:schemeClr val="accent1">
+              <a:shade val="50000"/>
+            </a:schemeClr>
+          </a:lnRef>
+          <a:fillRef idx="1">
+            <a:schemeClr val="accent1"/>
+          </a:fillRef>
+          <a:effectRef idx="0">
+            <a:schemeClr val="accent1"/>
+          </a:effectRef>
+          <a:fontRef idx="minor">
+            <a:schemeClr val="lt1"/>
+          </a:fontRef>
+        </p:style>
+        <p:txBody>
+          <a:bodyPr rtlCol="0" anchor="ctr"/>
+          <a:lstStyle/>
+          <a:p>
+            <a:pPr algn="ctr"/>
+            <a:endParaRPr lang="ko-KR" altLang="en-US"/>
+          </a:p>
+        </p:txBody>
+      </p:sp>
+      <p:sp>
+        <p:nvSpPr>
+          <p:cNvPr id="9" name="직사각형 8"/>
+          <p:cNvSpPr/>
+          <p:nvPr/>
+        </p:nvSpPr>
+        <p:spPr>
+          <a:xfrm>
+            <a:off x="6185443" y="1902498"/>
+            <a:ext cx="951337" cy="216234"/>
+          </a:xfrm>
+          <a:prstGeom prst="rect">
+            <a:avLst/>
+          </a:prstGeom>
+          <a:noFill/>
+          <a:ln>
+            <a:solidFill>
+              <a:srgbClr val="FF0000"/>
+            </a:solidFill>
+          </a:ln>
+        </p:spPr>
+        <p:style>
+          <a:lnRef idx="2">
+            <a:schemeClr val="accent1">
+              <a:shade val="50000"/>
+            </a:schemeClr>
+          </a:lnRef>
+          <a:fillRef idx="1">
+            <a:schemeClr val="accent1"/>
+          </a:fillRef>
+          <a:effectRef idx="0">
+            <a:schemeClr val="accent1"/>
+          </a:effectRef>
+          <a:fontRef idx="minor">
+            <a:schemeClr val="lt1"/>
+          </a:fontRef>
+        </p:style>
+        <p:txBody>
+          <a:bodyPr rtlCol="0" anchor="ctr"/>
+          <a:lstStyle/>
+          <a:p>
+            <a:pPr algn="ctr"/>
+            <a:endParaRPr lang="ko-KR" altLang="en-US"/>
+          </a:p>
+        </p:txBody>
+      </p:sp>
+    </p:spTree>
+    <p:extLst>
+      <p:ext uri="{BB962C8B-B14F-4D97-AF65-F5344CB8AC3E}">
+        <p14:creationId xmlns:p14="http://schemas.microsoft.com/office/powerpoint/2010/main" val="3430619258"/>
+      </p:ext>
+    </p:extLst>
+  </p:cSld>
+  <p:clrMapOvr>
+    <a:masterClrMapping/>
+  </p:clrMapOvr>
+</p:sld>
+</file>
+
+<file path=ppt/slides/slide12.xml><?xml version="1.0" encoding="utf-8"?>
+<p:sld xmlns:a="http://schemas.openxmlformats.org/drawingml/2006/main" xmlns:r="http://schemas.openxmlformats.org/officeDocument/2006/relationships" xmlns:p="http://schemas.openxmlformats.org/presentationml/2006/main">
+  <p:cSld>
+    <p:spTree>
+      <p:nvGrpSpPr>
+        <p:cNvPr id="1" name=""/>
+        <p:cNvGrpSpPr/>
+        <p:nvPr/>
+      </p:nvGrpSpPr>
+      <p:grpSpPr>
+        <a:xfrm>
+          <a:off x="0" y="0"/>
+          <a:ext cx="0" cy="0"/>
+          <a:chOff x="0" y="0"/>
+          <a:chExt cx="0" cy="0"/>
+        </a:xfrm>
+      </p:grpSpPr>
+      <p:sp>
+        <p:nvSpPr>
+          <p:cNvPr id="3" name="내용 개체 틀 2">
+            <a:extLst>
+              <a:ext uri="{FF2B5EF4-FFF2-40B4-BE49-F238E27FC236}">
+                <a16:creationId xmlns:a16="http://schemas.microsoft.com/office/drawing/2014/main" id="{A3389BB5-0D3E-45F5-871F-9B7742026947}"/>
+              </a:ext>
+            </a:extLst>
+          </p:cNvPr>
+          <p:cNvSpPr>
+            <a:spLocks noGrp="1"/>
+          </p:cNvSpPr>
+          <p:nvPr>
+            <p:ph idx="1"/>
+          </p:nvPr>
+        </p:nvSpPr>
+        <p:spPr>
+          <a:xfrm>
+            <a:off x="737839" y="100781"/>
+            <a:ext cx="10825976" cy="5265160"/>
+          </a:xfrm>
+        </p:spPr>
+        <p:txBody>
+          <a:bodyPr/>
+          <a:lstStyle/>
+          <a:p>
+            <a:r>
+              <a:rPr lang="ko-KR" altLang="en-US" dirty="0"/>
+              <a:t>로컬 저장소</a:t>
+            </a:r>
+            <a:r>
+              <a:rPr lang="en-US" altLang="ko-KR" dirty="0"/>
+              <a:t>(Local Repository) Commit</a:t>
+            </a:r>
+          </a:p>
+          <a:p>
+            <a:pPr lvl="1"/>
+            <a:r>
+              <a:rPr lang="en-US" altLang="ko-KR" dirty="0"/>
+              <a:t>$ git commit –m </a:t>
+            </a:r>
+            <a:r>
+              <a:rPr lang="en-US" altLang="ko-KR" dirty="0" smtClean="0"/>
+              <a:t>“</a:t>
+            </a:r>
+            <a:r>
+              <a:rPr lang="en-US" altLang="ko-KR" dirty="0" err="1" smtClean="0"/>
+              <a:t>baek</a:t>
+            </a:r>
+            <a:r>
+              <a:rPr lang="ko-KR" altLang="en-US" dirty="0" smtClean="0"/>
+              <a:t>이 </a:t>
+            </a:r>
+            <a:r>
+              <a:rPr lang="ko-KR" altLang="en-US" dirty="0" err="1" smtClean="0"/>
+              <a:t>수정후</a:t>
+            </a:r>
+            <a:r>
+              <a:rPr lang="ko-KR" altLang="en-US" dirty="0" smtClean="0"/>
+              <a:t> </a:t>
+            </a:r>
+            <a:r>
+              <a:rPr lang="en-US" altLang="ko-KR" dirty="0" smtClean="0"/>
+              <a:t>v1.03</a:t>
+            </a:r>
+            <a:r>
+              <a:rPr lang="ko-KR" altLang="en-US" dirty="0" smtClean="0"/>
+              <a:t>을 올림＂</a:t>
+            </a:r>
+            <a:endParaRPr lang="en-US" altLang="ko-KR" dirty="0"/>
+          </a:p>
+          <a:p>
+            <a:endParaRPr lang="en-US" altLang="ko-KR" dirty="0"/>
+          </a:p>
+          <a:p>
+            <a:endParaRPr lang="en-US" altLang="ko-KR" dirty="0"/>
+          </a:p>
+          <a:p>
+            <a:endParaRPr lang="en-US" altLang="ko-KR" dirty="0"/>
+          </a:p>
+          <a:p>
+            <a:r>
+              <a:rPr lang="ko-KR" altLang="en-US" dirty="0" err="1" smtClean="0"/>
+              <a:t>리모트</a:t>
+            </a:r>
+            <a:r>
+              <a:rPr lang="ko-KR" altLang="en-US" dirty="0" smtClean="0"/>
+              <a:t> </a:t>
+            </a:r>
+            <a:r>
+              <a:rPr lang="ko-KR" altLang="en-US" dirty="0"/>
+              <a:t>저장소</a:t>
+            </a:r>
+            <a:r>
+              <a:rPr lang="en-US" altLang="ko-KR" dirty="0"/>
+              <a:t>(GitHub) Commit</a:t>
+            </a:r>
+          </a:p>
+          <a:p>
+            <a:pPr lvl="1"/>
+            <a:r>
+              <a:rPr lang="en-US" altLang="ko-KR" dirty="0"/>
+              <a:t>$ git push </a:t>
+            </a:r>
+            <a:r>
+              <a:rPr lang="en-US" altLang="ko-KR" dirty="0" smtClean="0"/>
+              <a:t>--set-upstream </a:t>
+            </a:r>
+            <a:r>
+              <a:rPr lang="en-US" altLang="ko-KR" dirty="0" smtClean="0">
+                <a:hlinkClick r:id="rId2"/>
+              </a:rPr>
+              <a:t>http://github.com/ghbaek64/</a:t>
+            </a:r>
+            <a:r>
+              <a:rPr lang="en-US" altLang="ko-KR" dirty="0" smtClean="0"/>
+              <a:t>tutorial </a:t>
+            </a:r>
+            <a:r>
+              <a:rPr lang="en-US" altLang="ko-KR" dirty="0"/>
+              <a:t>master  </a:t>
+            </a:r>
+          </a:p>
+          <a:p>
+            <a:pPr lvl="1"/>
+            <a:r>
+              <a:rPr lang="ko-KR" altLang="en-US" dirty="0"/>
+              <a:t>이때 자신의 </a:t>
+            </a:r>
+            <a:r>
+              <a:rPr lang="en-US" altLang="ko-KR" dirty="0" err="1" smtClean="0"/>
+              <a:t>github</a:t>
+            </a:r>
+            <a:r>
+              <a:rPr lang="ko-KR" altLang="en-US" dirty="0" smtClean="0"/>
+              <a:t>에 </a:t>
+            </a:r>
+            <a:r>
+              <a:rPr lang="en-US" altLang="ko-KR" dirty="0" smtClean="0"/>
+              <a:t>sign in(GitHub</a:t>
+            </a:r>
+            <a:r>
+              <a:rPr lang="ko-KR" altLang="en-US" dirty="0" smtClean="0"/>
+              <a:t> </a:t>
+            </a:r>
+            <a:r>
+              <a:rPr lang="en-US" altLang="ko-KR" dirty="0"/>
+              <a:t>ID, </a:t>
+            </a:r>
+            <a:r>
+              <a:rPr lang="en-US" altLang="ko-KR" dirty="0" err="1" smtClean="0"/>
+              <a:t>Passwd</a:t>
+            </a:r>
+            <a:r>
+              <a:rPr lang="en-US" altLang="ko-KR" dirty="0" smtClean="0"/>
+              <a:t>)</a:t>
+            </a:r>
+            <a:r>
+              <a:rPr lang="ko-KR" altLang="en-US" dirty="0" smtClean="0"/>
+              <a:t>을 요구한다</a:t>
+            </a:r>
+            <a:r>
+              <a:rPr lang="en-US" altLang="ko-KR" dirty="0" smtClean="0"/>
+              <a:t>.</a:t>
+            </a:r>
+            <a:endParaRPr lang="en-US" altLang="ko-KR" dirty="0"/>
+          </a:p>
+          <a:p>
+            <a:pPr lvl="1"/>
+            <a:endParaRPr lang="en-US" altLang="ko-KR" dirty="0"/>
+          </a:p>
+        </p:txBody>
+      </p:sp>
+      <p:pic>
+        <p:nvPicPr>
+          <p:cNvPr id="2" name="그림 1"/>
+          <p:cNvPicPr>
+            <a:picLocks noChangeAspect="1"/>
+          </p:cNvPicPr>
+          <p:nvPr/>
+        </p:nvPicPr>
+        <p:blipFill>
+          <a:blip r:embed="rId3">
+            <a:extLst>
+              <a:ext uri="{28A0092B-C50C-407E-A947-70E740481C1C}">
+                <a14:useLocalDpi xmlns:a14="http://schemas.microsoft.com/office/drawing/2010/main" val="0"/>
+              </a:ext>
+            </a:extLst>
+          </a:blip>
+          <a:stretch>
+            <a:fillRect/>
+          </a:stretch>
+        </p:blipFill>
+        <p:spPr>
+          <a:xfrm>
+            <a:off x="1262526" y="3769110"/>
+            <a:ext cx="7134342" cy="3041283"/>
+          </a:xfrm>
+          <a:prstGeom prst="rect">
+            <a:avLst/>
+          </a:prstGeom>
+        </p:spPr>
+      </p:pic>
+      <p:sp>
+        <p:nvSpPr>
+          <p:cNvPr id="6" name="직사각형 5"/>
+          <p:cNvSpPr/>
+          <p:nvPr/>
+        </p:nvSpPr>
+        <p:spPr>
+          <a:xfrm>
+            <a:off x="1159727" y="3911069"/>
+            <a:ext cx="6289288" cy="304092"/>
+          </a:xfrm>
+          <a:prstGeom prst="rect">
+            <a:avLst/>
+          </a:prstGeom>
+          <a:noFill/>
+          <a:ln>
+            <a:solidFill>
+              <a:srgbClr val="FF0000"/>
+            </a:solidFill>
+          </a:ln>
+        </p:spPr>
+        <p:style>
+          <a:lnRef idx="2">
+            <a:schemeClr val="accent1">
+              <a:shade val="50000"/>
+            </a:schemeClr>
+          </a:lnRef>
+          <a:fillRef idx="1">
+            <a:schemeClr val="accent1"/>
+          </a:fillRef>
+          <a:effectRef idx="0">
+            <a:schemeClr val="accent1"/>
+          </a:effectRef>
+          <a:fontRef idx="minor">
+            <a:schemeClr val="lt1"/>
+          </a:fontRef>
+        </p:style>
+        <p:txBody>
+          <a:bodyPr rtlCol="0" anchor="ctr"/>
+          <a:lstStyle/>
+          <a:p>
+            <a:pPr algn="ctr"/>
+            <a:endParaRPr lang="ko-KR" altLang="en-US"/>
+          </a:p>
+        </p:txBody>
+      </p:sp>
+      <p:pic>
+        <p:nvPicPr>
+          <p:cNvPr id="5" name="그림 4"/>
+          <p:cNvPicPr>
+            <a:picLocks noChangeAspect="1"/>
+          </p:cNvPicPr>
+          <p:nvPr/>
+        </p:nvPicPr>
+        <p:blipFill>
+          <a:blip r:embed="rId4">
+            <a:extLst>
+              <a:ext uri="{28A0092B-C50C-407E-A947-70E740481C1C}">
+                <a14:useLocalDpi xmlns:a14="http://schemas.microsoft.com/office/drawing/2010/main" val="0"/>
+              </a:ext>
+            </a:extLst>
+          </a:blip>
+          <a:stretch>
+            <a:fillRect/>
+          </a:stretch>
+        </p:blipFill>
+        <p:spPr>
+          <a:xfrm>
+            <a:off x="6150827" y="957695"/>
+            <a:ext cx="5954688" cy="1885866"/>
+          </a:xfrm>
+          <a:prstGeom prst="rect">
+            <a:avLst/>
+          </a:prstGeom>
+        </p:spPr>
+      </p:pic>
+      <p:sp>
+        <p:nvSpPr>
+          <p:cNvPr id="8" name="직사각형 7"/>
+          <p:cNvSpPr/>
+          <p:nvPr/>
+        </p:nvSpPr>
+        <p:spPr>
+          <a:xfrm>
+            <a:off x="6150826" y="1119547"/>
+            <a:ext cx="4271847" cy="304092"/>
+          </a:xfrm>
+          <a:prstGeom prst="rect">
+            <a:avLst/>
+          </a:prstGeom>
+          <a:noFill/>
+          <a:ln>
+            <a:solidFill>
+              <a:srgbClr val="FF0000"/>
+            </a:solidFill>
+          </a:ln>
+        </p:spPr>
+        <p:style>
+          <a:lnRef idx="2">
+            <a:schemeClr val="accent1">
+              <a:shade val="50000"/>
+            </a:schemeClr>
+          </a:lnRef>
+          <a:fillRef idx="1">
+            <a:schemeClr val="accent1"/>
+          </a:fillRef>
+          <a:effectRef idx="0">
+            <a:schemeClr val="accent1"/>
+          </a:effectRef>
+          <a:fontRef idx="minor">
+            <a:schemeClr val="lt1"/>
+          </a:fontRef>
+        </p:style>
+        <p:txBody>
+          <a:bodyPr rtlCol="0" anchor="ctr"/>
+          <a:lstStyle/>
+          <a:p>
+            <a:pPr algn="ctr"/>
+            <a:endParaRPr lang="ko-KR" altLang="en-US"/>
+          </a:p>
+        </p:txBody>
+      </p:sp>
+    </p:spTree>
+    <p:extLst>
+      <p:ext uri="{BB962C8B-B14F-4D97-AF65-F5344CB8AC3E}">
+        <p14:creationId xmlns:p14="http://schemas.microsoft.com/office/powerpoint/2010/main" val="2791939805"/>
+      </p:ext>
+    </p:extLst>
+  </p:cSld>
+  <p:clrMapOvr>
+    <a:masterClrMapping/>
+  </p:clrMapOvr>
+</p:sld>
+</file>
+
+<file path=ppt/slides/slide13.xml><?xml version="1.0" encoding="utf-8"?>
+<p:sld xmlns:a="http://schemas.openxmlformats.org/drawingml/2006/main" xmlns:r="http://schemas.openxmlformats.org/officeDocument/2006/relationships" xmlns:p="http://schemas.openxmlformats.org/presentationml/2006/main">
+  <p:cSld>
+    <p:spTree>
+      <p:nvGrpSpPr>
+        <p:cNvPr id="1" name=""/>
+        <p:cNvGrpSpPr/>
+        <p:nvPr/>
+      </p:nvGrpSpPr>
+      <p:grpSpPr>
+        <a:xfrm>
+          <a:off x="0" y="0"/>
+          <a:ext cx="0" cy="0"/>
+          <a:chOff x="0" y="0"/>
+          <a:chExt cx="0" cy="0"/>
+        </a:xfrm>
+      </p:grpSpPr>
+      <p:sp>
+        <p:nvSpPr>
           <p:cNvPr id="2" name="제목 1"/>
           <p:cNvSpPr>
             <a:spLocks noGrp="1"/>
@@ -3624,7 +4633,7 @@
 </p:sld>
 </file>
 
-<file path=ppt/slides/slide11.xml><?xml version="1.0" encoding="utf-8"?>
+<file path=ppt/slides/slide14.xml><?xml version="1.0" encoding="utf-8"?>
 <p:sld xmlns:a="http://schemas.openxmlformats.org/drawingml/2006/main" xmlns:r="http://schemas.openxmlformats.org/officeDocument/2006/relationships" xmlns:p="http://schemas.openxmlformats.org/presentationml/2006/main">
   <p:cSld>
     <p:spTree>
@@ -6300,7 +7309,7 @@
 </p:sld>
 </file>
 
-<file path=ppt/slides/slide12.xml><?xml version="1.0" encoding="utf-8"?>
+<file path=ppt/slides/slide15.xml><?xml version="1.0" encoding="utf-8"?>
 <p:sld xmlns:a="http://schemas.openxmlformats.org/drawingml/2006/main" xmlns:r="http://schemas.openxmlformats.org/officeDocument/2006/relationships" xmlns:p="http://schemas.openxmlformats.org/presentationml/2006/main">
   <p:cSld>
     <p:spTree>
@@ -6538,7 +7547,7 @@
 </p:sld>
 </file>
 
-<file path=ppt/slides/slide13.xml><?xml version="1.0" encoding="utf-8"?>
+<file path=ppt/slides/slide16.xml><?xml version="1.0" encoding="utf-8"?>
 <p:sld xmlns:a="http://schemas.openxmlformats.org/drawingml/2006/main" xmlns:r="http://schemas.openxmlformats.org/officeDocument/2006/relationships" xmlns:p="http://schemas.openxmlformats.org/presentationml/2006/main">
   <p:cSld>
     <p:spTree>
@@ -6729,7 +7738,7 @@
 </p:sld>
 </file>
 
-<file path=ppt/slides/slide14.xml><?xml version="1.0" encoding="utf-8"?>
+<file path=ppt/slides/slide17.xml><?xml version="1.0" encoding="utf-8"?>
 <p:sld xmlns:a="http://schemas.openxmlformats.org/drawingml/2006/main" xmlns:r="http://schemas.openxmlformats.org/officeDocument/2006/relationships" xmlns:p="http://schemas.openxmlformats.org/presentationml/2006/main">
   <p:cSld>
     <p:spTree>
@@ -6943,7 +7952,7 @@
 </p:sld>
 </file>
 
-<file path=ppt/slides/slide15.xml><?xml version="1.0" encoding="utf-8"?>
+<file path=ppt/slides/slide18.xml><?xml version="1.0" encoding="utf-8"?>
 <p:sld xmlns:a="http://schemas.openxmlformats.org/drawingml/2006/main" xmlns:r="http://schemas.openxmlformats.org/officeDocument/2006/relationships" xmlns:p="http://schemas.openxmlformats.org/presentationml/2006/main">
   <p:cSld>
     <p:spTree>
@@ -7100,7 +8109,7 @@
 </p:sld>
 </file>
 
-<file path=ppt/slides/slide16.xml><?xml version="1.0" encoding="utf-8"?>
+<file path=ppt/slides/slide19.xml><?xml version="1.0" encoding="utf-8"?>
 <p:sld xmlns:a="http://schemas.openxmlformats.org/drawingml/2006/main" xmlns:r="http://schemas.openxmlformats.org/officeDocument/2006/relationships" xmlns:p="http://schemas.openxmlformats.org/presentationml/2006/main">
   <p:cSld>
     <p:spTree>
@@ -7150,542 +8159,6 @@
     <p:extLst>
       <p:ext uri="{BB962C8B-B14F-4D97-AF65-F5344CB8AC3E}">
         <p14:creationId xmlns:p14="http://schemas.microsoft.com/office/powerpoint/2010/main" val="899934604"/>
-      </p:ext>
-    </p:extLst>
-  </p:cSld>
-  <p:clrMapOvr>
-    <a:masterClrMapping/>
-  </p:clrMapOvr>
-  <p:timing>
-    <p:tnLst>
-      <p:par>
-        <p:cTn id="1" dur="indefinite" restart="never" nodeType="tmRoot"/>
-      </p:par>
-    </p:tnLst>
-  </p:timing>
-</p:sld>
-</file>
-
-<file path=ppt/slides/slide17.xml><?xml version="1.0" encoding="utf-8"?>
-<p:sld xmlns:a="http://schemas.openxmlformats.org/drawingml/2006/main" xmlns:r="http://schemas.openxmlformats.org/officeDocument/2006/relationships" xmlns:p="http://schemas.openxmlformats.org/presentationml/2006/main">
-  <p:cSld>
-    <p:spTree>
-      <p:nvGrpSpPr>
-        <p:cNvPr id="1" name=""/>
-        <p:cNvGrpSpPr/>
-        <p:nvPr/>
-      </p:nvGrpSpPr>
-      <p:grpSpPr>
-        <a:xfrm>
-          <a:off x="0" y="0"/>
-          <a:ext cx="0" cy="0"/>
-          <a:chOff x="0" y="0"/>
-          <a:chExt cx="0" cy="0"/>
-        </a:xfrm>
-      </p:grpSpPr>
-      <p:sp>
-        <p:nvSpPr>
-          <p:cNvPr id="6" name="제목 1">
-            <a:extLst>
-              <a:ext uri="{FF2B5EF4-FFF2-40B4-BE49-F238E27FC236}">
-                <a16:creationId xmlns:a16="http://schemas.microsoft.com/office/drawing/2014/main" id="{705D52CD-CDC9-4FF3-82CD-C9B9EAEE5AE8}"/>
-              </a:ext>
-            </a:extLst>
-          </p:cNvPr>
-          <p:cNvSpPr>
-            <a:spLocks noGrp="1"/>
-          </p:cNvSpPr>
-          <p:nvPr>
-            <p:ph type="title"/>
-          </p:nvPr>
-        </p:nvSpPr>
-        <p:spPr>
-          <a:xfrm>
-            <a:off x="224883" y="175113"/>
-            <a:ext cx="10515600" cy="865873"/>
-          </a:xfrm>
-        </p:spPr>
-        <p:txBody>
-          <a:bodyPr/>
-          <a:lstStyle/>
-          <a:p>
-            <a:r>
-              <a:rPr lang="en-US" altLang="ko-KR" dirty="0"/>
-              <a:t>Commit message </a:t>
-            </a:r>
-            <a:r>
-              <a:rPr lang="ko-KR" altLang="en-US" dirty="0" smtClean="0"/>
-              <a:t>확인</a:t>
-            </a:r>
-            <a:endParaRPr lang="ko-KR" altLang="en-US" dirty="0"/>
-          </a:p>
-        </p:txBody>
-      </p:sp>
-      <p:pic>
-        <p:nvPicPr>
-          <p:cNvPr id="5" name="내용 개체 틀 4" descr="스크린샷, 모니터, 컴퓨터, 화면이(가) 표시된 사진&#10;&#10;자동 생성된 설명">
-            <a:extLst>
-              <a:ext uri="{FF2B5EF4-FFF2-40B4-BE49-F238E27FC236}">
-                <a16:creationId xmlns:a16="http://schemas.microsoft.com/office/drawing/2014/main" id="{3E36219F-9065-4F30-AFC7-1073982B3828}"/>
-              </a:ext>
-            </a:extLst>
-          </p:cNvPr>
-          <p:cNvPicPr>
-            <a:picLocks noGrp="1" noChangeAspect="1"/>
-          </p:cNvPicPr>
-          <p:nvPr>
-            <p:ph idx="1"/>
-          </p:nvPr>
-        </p:nvPicPr>
-        <p:blipFill>
-          <a:blip r:embed="rId2"/>
-          <a:stretch>
-            <a:fillRect/>
-          </a:stretch>
-        </p:blipFill>
-        <p:spPr>
-          <a:xfrm>
-            <a:off x="2419619" y="1341201"/>
-            <a:ext cx="6952981" cy="5304527"/>
-          </a:xfrm>
-        </p:spPr>
-      </p:pic>
-    </p:spTree>
-    <p:extLst>
-      <p:ext uri="{BB962C8B-B14F-4D97-AF65-F5344CB8AC3E}">
-        <p14:creationId xmlns:p14="http://schemas.microsoft.com/office/powerpoint/2010/main" val="674021989"/>
-      </p:ext>
-    </p:extLst>
-  </p:cSld>
-  <p:clrMapOvr>
-    <a:masterClrMapping/>
-  </p:clrMapOvr>
-  <p:timing>
-    <p:tnLst>
-      <p:par>
-        <p:cTn id="1" dur="indefinite" restart="never" nodeType="tmRoot"/>
-      </p:par>
-    </p:tnLst>
-  </p:timing>
-</p:sld>
-</file>
-
-<file path=ppt/slides/slide18.xml><?xml version="1.0" encoding="utf-8"?>
-<p:sld xmlns:a="http://schemas.openxmlformats.org/drawingml/2006/main" xmlns:r="http://schemas.openxmlformats.org/officeDocument/2006/relationships" xmlns:p="http://schemas.openxmlformats.org/presentationml/2006/main">
-  <p:cSld>
-    <p:spTree>
-      <p:nvGrpSpPr>
-        <p:cNvPr id="1" name=""/>
-        <p:cNvGrpSpPr/>
-        <p:nvPr/>
-      </p:nvGrpSpPr>
-      <p:grpSpPr>
-        <a:xfrm>
-          <a:off x="0" y="0"/>
-          <a:ext cx="0" cy="0"/>
-          <a:chOff x="0" y="0"/>
-          <a:chExt cx="0" cy="0"/>
-        </a:xfrm>
-      </p:grpSpPr>
-      <p:pic>
-        <p:nvPicPr>
-          <p:cNvPr id="5" name="내용 개체 틀 4" descr="스크린샷이(가) 표시된 사진&#10;&#10;자동 생성된 설명">
-            <a:extLst>
-              <a:ext uri="{FF2B5EF4-FFF2-40B4-BE49-F238E27FC236}">
-                <a16:creationId xmlns:a16="http://schemas.microsoft.com/office/drawing/2014/main" id="{EA47286F-BC45-46EB-9B97-1746D0FF29B6}"/>
-              </a:ext>
-            </a:extLst>
-          </p:cNvPr>
-          <p:cNvPicPr>
-            <a:picLocks noGrp="1" noChangeAspect="1"/>
-          </p:cNvPicPr>
-          <p:nvPr>
-            <p:ph idx="1"/>
-          </p:nvPr>
-        </p:nvPicPr>
-        <p:blipFill>
-          <a:blip r:embed="rId2"/>
-          <a:stretch>
-            <a:fillRect/>
-          </a:stretch>
-        </p:blipFill>
-        <p:spPr>
-          <a:xfrm>
-            <a:off x="3179017" y="1309069"/>
-            <a:ext cx="5532275" cy="5374959"/>
-          </a:xfrm>
-        </p:spPr>
-      </p:pic>
-      <p:sp>
-        <p:nvSpPr>
-          <p:cNvPr id="6" name="직사각형 5">
-            <a:extLst>
-              <a:ext uri="{FF2B5EF4-FFF2-40B4-BE49-F238E27FC236}">
-                <a16:creationId xmlns:a16="http://schemas.microsoft.com/office/drawing/2014/main" id="{C61FF7D6-7B49-47AC-A85F-1981B1CD0558}"/>
-              </a:ext>
-            </a:extLst>
-          </p:cNvPr>
-          <p:cNvSpPr/>
-          <p:nvPr/>
-        </p:nvSpPr>
-        <p:spPr>
-          <a:xfrm>
-            <a:off x="178190" y="111510"/>
-            <a:ext cx="11533927" cy="769441"/>
-          </a:xfrm>
-          <a:prstGeom prst="rect">
-            <a:avLst/>
-          </a:prstGeom>
-        </p:spPr>
-        <p:txBody>
-          <a:bodyPr wrap="none">
-            <a:spAutoFit/>
-          </a:bodyPr>
-          <a:lstStyle/>
-          <a:p>
-            <a:r>
-              <a:rPr lang="en-US" altLang="ko-KR" sz="4400" b="1" dirty="0"/>
-              <a:t>Commit hash </a:t>
-            </a:r>
-            <a:r>
-              <a:rPr lang="ko-KR" altLang="en-US" sz="4400" b="1" dirty="0"/>
-              <a:t>코드</a:t>
-            </a:r>
-            <a:r>
-              <a:rPr lang="en-US" altLang="ko-KR" sz="4400" b="1" dirty="0"/>
-              <a:t>(</a:t>
-            </a:r>
-            <a:r>
-              <a:rPr lang="ko-KR" altLang="en-US" sz="4400" b="1" dirty="0"/>
-              <a:t>06cd737</a:t>
-            </a:r>
-            <a:r>
-              <a:rPr lang="en-US" altLang="ko-KR" sz="4400" b="1" dirty="0"/>
-              <a:t>)</a:t>
-            </a:r>
-            <a:r>
-              <a:rPr lang="ko-KR" altLang="en-US" sz="4400" b="1" dirty="0"/>
-              <a:t> 변경사항 확인</a:t>
-            </a:r>
-          </a:p>
-        </p:txBody>
-      </p:sp>
-    </p:spTree>
-    <p:extLst>
-      <p:ext uri="{BB962C8B-B14F-4D97-AF65-F5344CB8AC3E}">
-        <p14:creationId xmlns:p14="http://schemas.microsoft.com/office/powerpoint/2010/main" val="3886459838"/>
-      </p:ext>
-    </p:extLst>
-  </p:cSld>
-  <p:clrMapOvr>
-    <a:masterClrMapping/>
-  </p:clrMapOvr>
-  <p:timing>
-    <p:tnLst>
-      <p:par>
-        <p:cTn id="1" dur="indefinite" restart="never" nodeType="tmRoot"/>
-      </p:par>
-    </p:tnLst>
-  </p:timing>
-</p:sld>
-</file>
-
-<file path=ppt/slides/slide19.xml><?xml version="1.0" encoding="utf-8"?>
-<p:sld xmlns:a="http://schemas.openxmlformats.org/drawingml/2006/main" xmlns:r="http://schemas.openxmlformats.org/officeDocument/2006/relationships" xmlns:p="http://schemas.openxmlformats.org/presentationml/2006/main">
-  <p:cSld>
-    <p:spTree>
-      <p:nvGrpSpPr>
-        <p:cNvPr id="1" name=""/>
-        <p:cNvGrpSpPr/>
-        <p:nvPr/>
-      </p:nvGrpSpPr>
-      <p:grpSpPr>
-        <a:xfrm>
-          <a:off x="0" y="0"/>
-          <a:ext cx="0" cy="0"/>
-          <a:chOff x="0" y="0"/>
-          <a:chExt cx="0" cy="0"/>
-        </a:xfrm>
-      </p:grpSpPr>
-      <p:sp>
-        <p:nvSpPr>
-          <p:cNvPr id="2" name="제목 1"/>
-          <p:cNvSpPr>
-            <a:spLocks noGrp="1"/>
-          </p:cNvSpPr>
-          <p:nvPr>
-            <p:ph type="title"/>
-          </p:nvPr>
-        </p:nvSpPr>
-        <p:spPr>
-          <a:xfrm>
-            <a:off x="199845" y="114959"/>
-            <a:ext cx="10515600" cy="790815"/>
-          </a:xfrm>
-        </p:spPr>
-        <p:txBody>
-          <a:bodyPr>
-            <a:normAutofit/>
-          </a:bodyPr>
-          <a:lstStyle/>
-          <a:p>
-            <a:r>
-              <a:rPr lang="ko-KR" altLang="en-US" b="1" dirty="0" smtClean="0">
-                <a:effectLst>
-                  <a:outerShdw blurRad="38100" dist="38100" dir="2700000" algn="tl">
-                    <a:srgbClr val="000000">
-                      <a:alpha val="43137"/>
-                    </a:srgbClr>
-                  </a:outerShdw>
-                </a:effectLst>
-                <a:latin typeface="+mj-ea"/>
-              </a:rPr>
-              <a:t>실습</a:t>
-            </a:r>
-            <a:r>
-              <a:rPr lang="en-US" altLang="ko-KR" b="1" dirty="0">
-                <a:effectLst>
-                  <a:outerShdw blurRad="38100" dist="38100" dir="2700000" algn="tl">
-                    <a:srgbClr val="000000">
-                      <a:alpha val="43137"/>
-                    </a:srgbClr>
-                  </a:outerShdw>
-                </a:effectLst>
-                <a:latin typeface="+mj-ea"/>
-              </a:rPr>
-              <a:t> </a:t>
-            </a:r>
-            <a:r>
-              <a:rPr lang="en-US" altLang="ko-KR" b="1" dirty="0" smtClean="0">
-                <a:effectLst>
-                  <a:outerShdw blurRad="38100" dist="38100" dir="2700000" algn="tl">
-                    <a:srgbClr val="000000">
-                      <a:alpha val="43137"/>
-                    </a:srgbClr>
-                  </a:outerShdw>
-                </a:effectLst>
-                <a:latin typeface="+mj-ea"/>
-              </a:rPr>
-              <a:t>– </a:t>
-            </a:r>
-            <a:r>
-              <a:rPr lang="en-US" altLang="ko-KR" b="1" dirty="0" err="1" smtClean="0">
-                <a:effectLst>
-                  <a:outerShdw blurRad="38100" dist="38100" dir="2700000" algn="tl">
-                    <a:srgbClr val="000000">
-                      <a:alpha val="43137"/>
-                    </a:srgbClr>
-                  </a:outerShdw>
-                </a:effectLst>
-                <a:latin typeface="+mj-ea"/>
-              </a:rPr>
-              <a:t>github</a:t>
-            </a:r>
-            <a:r>
-              <a:rPr lang="en-US" altLang="ko-KR" b="1" dirty="0" smtClean="0">
-                <a:effectLst>
-                  <a:outerShdw blurRad="38100" dist="38100" dir="2700000" algn="tl">
-                    <a:srgbClr val="000000">
-                      <a:alpha val="43137"/>
-                    </a:srgbClr>
-                  </a:outerShdw>
-                </a:effectLst>
-                <a:latin typeface="+mj-ea"/>
-              </a:rPr>
-              <a:t> </a:t>
-            </a:r>
-            <a:r>
-              <a:rPr lang="ko-KR" altLang="en-US" b="1" dirty="0" smtClean="0">
-                <a:effectLst>
-                  <a:outerShdw blurRad="38100" dist="38100" dir="2700000" algn="tl">
-                    <a:srgbClr val="000000">
-                      <a:alpha val="43137"/>
-                    </a:srgbClr>
-                  </a:outerShdw>
-                </a:effectLst>
-                <a:latin typeface="+mj-ea"/>
-              </a:rPr>
-              <a:t>을 이용한 </a:t>
-            </a:r>
-            <a:r>
-              <a:rPr lang="en-US" altLang="ko-KR" b="1" dirty="0" smtClean="0">
-                <a:effectLst>
-                  <a:outerShdw blurRad="38100" dist="38100" dir="2700000" algn="tl">
-                    <a:srgbClr val="000000">
-                      <a:alpha val="43137"/>
-                    </a:srgbClr>
-                  </a:outerShdw>
-                </a:effectLst>
-                <a:latin typeface="+mj-ea"/>
-              </a:rPr>
-              <a:t>clone </a:t>
-            </a:r>
-            <a:r>
-              <a:rPr lang="ko-KR" altLang="en-US" b="1" dirty="0" smtClean="0">
-                <a:effectLst>
-                  <a:outerShdw blurRad="38100" dist="38100" dir="2700000" algn="tl">
-                    <a:srgbClr val="000000">
-                      <a:alpha val="43137"/>
-                    </a:srgbClr>
-                  </a:outerShdw>
-                </a:effectLst>
-                <a:latin typeface="+mj-ea"/>
-              </a:rPr>
-              <a:t>기능</a:t>
-            </a:r>
-            <a:endParaRPr lang="ko-KR" altLang="en-US" b="1" dirty="0">
-              <a:effectLst>
-                <a:outerShdw blurRad="38100" dist="38100" dir="2700000" algn="tl">
-                  <a:srgbClr val="000000">
-                    <a:alpha val="43137"/>
-                  </a:srgbClr>
-                </a:outerShdw>
-              </a:effectLst>
-              <a:latin typeface="+mj-ea"/>
-            </a:endParaRPr>
-          </a:p>
-        </p:txBody>
-      </p:sp>
-      <p:sp>
-        <p:nvSpPr>
-          <p:cNvPr id="3" name="내용 개체 틀 2"/>
-          <p:cNvSpPr>
-            <a:spLocks noGrp="1"/>
-          </p:cNvSpPr>
-          <p:nvPr>
-            <p:ph idx="1"/>
-          </p:nvPr>
-        </p:nvSpPr>
-        <p:spPr>
-          <a:xfrm>
-            <a:off x="401444" y="1069675"/>
-            <a:ext cx="10457055" cy="5107288"/>
-          </a:xfrm>
-        </p:spPr>
-        <p:txBody>
-          <a:bodyPr>
-            <a:normAutofit/>
-          </a:bodyPr>
-          <a:lstStyle/>
-          <a:p>
-            <a:pPr marL="0" indent="0">
-              <a:buNone/>
-            </a:pPr>
-            <a:r>
-              <a:rPr lang="en-US" altLang="ko-KR" sz="2000" dirty="0" smtClean="0"/>
-              <a:t>1. </a:t>
-            </a:r>
-            <a:r>
-              <a:rPr lang="en-US" altLang="ko-KR" sz="2000" dirty="0" err="1" smtClean="0"/>
-              <a:t>github</a:t>
-            </a:r>
-            <a:r>
-              <a:rPr lang="en-US" altLang="ko-KR" sz="2000" dirty="0" smtClean="0"/>
-              <a:t>(</a:t>
-            </a:r>
-            <a:r>
-              <a:rPr lang="en-US" altLang="ko-KR" sz="2000" dirty="0" smtClean="0">
-                <a:hlinkClick r:id="rId2"/>
-              </a:rPr>
-              <a:t>http://github.com</a:t>
-            </a:r>
-            <a:r>
-              <a:rPr lang="en-US" altLang="ko-KR" sz="2000" dirty="0" smtClean="0"/>
-              <a:t>) </a:t>
-            </a:r>
-            <a:r>
-              <a:rPr lang="ko-KR" altLang="en-US" sz="2000" dirty="0" smtClean="0"/>
-              <a:t>에 자신의 계정 생성</a:t>
-            </a:r>
-            <a:r>
-              <a:rPr lang="en-US" altLang="ko-KR" sz="2000" dirty="0" smtClean="0"/>
-              <a:t>.</a:t>
-            </a:r>
-          </a:p>
-          <a:p>
-            <a:pPr marL="0" indent="0">
-              <a:buNone/>
-            </a:pPr>
-            <a:r>
-              <a:rPr kumimoji="1" lang="en-US" altLang="ko-KR" sz="2000" dirty="0" smtClean="0"/>
-              <a:t>2. </a:t>
-            </a:r>
-            <a:r>
-              <a:rPr kumimoji="1" lang="ko-KR" altLang="en-US" sz="2000" dirty="0" err="1" smtClean="0"/>
-              <a:t>원격저장소</a:t>
-            </a:r>
-            <a:r>
-              <a:rPr kumimoji="1" lang="ko-KR" altLang="en-US" sz="2000" dirty="0" smtClean="0"/>
-              <a:t> </a:t>
-            </a:r>
-            <a:r>
-              <a:rPr kumimoji="1" lang="en-US" altLang="ko-KR" sz="2000" dirty="0" smtClean="0"/>
-              <a:t>Repository(</a:t>
-            </a:r>
-            <a:r>
-              <a:rPr kumimoji="1" lang="ko-KR" altLang="en-US" sz="2000" dirty="0" smtClean="0"/>
-              <a:t>이름</a:t>
-            </a:r>
-            <a:r>
-              <a:rPr kumimoji="1" lang="en-US" altLang="ko-KR" sz="2000" dirty="0" smtClean="0"/>
-              <a:t>: web2) </a:t>
-            </a:r>
-            <a:r>
-              <a:rPr kumimoji="1" lang="ko-KR" altLang="en-US" sz="2000" dirty="0" smtClean="0"/>
-              <a:t>생성</a:t>
-            </a:r>
-            <a:r>
-              <a:rPr kumimoji="1" lang="en-US" altLang="ko-KR" sz="2000" dirty="0" smtClean="0"/>
-              <a:t>.</a:t>
-            </a:r>
-            <a:endParaRPr lang="en-US" altLang="ko-KR" sz="2000" dirty="0"/>
-          </a:p>
-          <a:p>
-            <a:pPr marL="0" indent="0">
-              <a:buNone/>
-            </a:pPr>
-            <a:r>
-              <a:rPr kumimoji="1" lang="en-US" altLang="ko-KR" sz="2000" dirty="0" smtClean="0"/>
-              <a:t>3. README.md</a:t>
-            </a:r>
-            <a:r>
-              <a:rPr kumimoji="1" lang="ko-KR" altLang="en-US" sz="2000" dirty="0" smtClean="0"/>
-              <a:t>에 </a:t>
-            </a:r>
-            <a:r>
-              <a:rPr kumimoji="1" lang="ko-KR" altLang="en-US" sz="2000" dirty="0" err="1" smtClean="0"/>
-              <a:t>웹개발기초</a:t>
-            </a:r>
-            <a:r>
-              <a:rPr kumimoji="1" lang="en-US" altLang="ko-KR" sz="2000" dirty="0" smtClean="0"/>
-              <a:t>II</a:t>
-            </a:r>
-            <a:r>
-              <a:rPr kumimoji="1" lang="ko-KR" altLang="en-US" sz="2000" dirty="0" smtClean="0"/>
-              <a:t>에 대한 설명 입력</a:t>
-            </a:r>
-            <a:endParaRPr kumimoji="1" lang="en-US" altLang="ko-KR" sz="2000" dirty="0" smtClean="0"/>
-          </a:p>
-          <a:p>
-            <a:pPr marL="0" indent="0">
-              <a:buNone/>
-            </a:pPr>
-            <a:r>
-              <a:rPr lang="en-US" altLang="ko-KR" sz="2000" dirty="0" smtClean="0"/>
-              <a:t>4. clone </a:t>
-            </a:r>
-            <a:r>
-              <a:rPr lang="ko-KR" altLang="en-US" sz="2000" dirty="0" smtClean="0"/>
-              <a:t>으로 가져오기</a:t>
-            </a:r>
-            <a:endParaRPr lang="ko-KR" altLang="en-US" sz="2000" dirty="0"/>
-          </a:p>
-        </p:txBody>
-      </p:sp>
-    </p:spTree>
-    <p:extLst>
-      <p:ext uri="{BB962C8B-B14F-4D97-AF65-F5344CB8AC3E}">
-        <p14:creationId xmlns:p14="http://schemas.microsoft.com/office/powerpoint/2010/main" val="3529177828"/>
       </p:ext>
     </p:extLst>
   </p:cSld>
@@ -8078,6 +8551,618 @@
       </p:grpSpPr>
       <p:sp>
         <p:nvSpPr>
+          <p:cNvPr id="6" name="제목 1">
+            <a:extLst>
+              <a:ext uri="{FF2B5EF4-FFF2-40B4-BE49-F238E27FC236}">
+                <a16:creationId xmlns:a16="http://schemas.microsoft.com/office/drawing/2014/main" id="{705D52CD-CDC9-4FF3-82CD-C9B9EAEE5AE8}"/>
+              </a:ext>
+            </a:extLst>
+          </p:cNvPr>
+          <p:cNvSpPr>
+            <a:spLocks noGrp="1"/>
+          </p:cNvSpPr>
+          <p:nvPr>
+            <p:ph type="title"/>
+          </p:nvPr>
+        </p:nvSpPr>
+        <p:spPr>
+          <a:xfrm>
+            <a:off x="224883" y="175113"/>
+            <a:ext cx="10515600" cy="865873"/>
+          </a:xfrm>
+        </p:spPr>
+        <p:txBody>
+          <a:bodyPr/>
+          <a:lstStyle/>
+          <a:p>
+            <a:r>
+              <a:rPr lang="en-US" altLang="ko-KR" dirty="0"/>
+              <a:t>Commit message </a:t>
+            </a:r>
+            <a:r>
+              <a:rPr lang="ko-KR" altLang="en-US" dirty="0" smtClean="0"/>
+              <a:t>확인</a:t>
+            </a:r>
+            <a:endParaRPr lang="ko-KR" altLang="en-US" dirty="0"/>
+          </a:p>
+        </p:txBody>
+      </p:sp>
+      <p:pic>
+        <p:nvPicPr>
+          <p:cNvPr id="5" name="내용 개체 틀 4" descr="스크린샷, 모니터, 컴퓨터, 화면이(가) 표시된 사진&#10;&#10;자동 생성된 설명">
+            <a:extLst>
+              <a:ext uri="{FF2B5EF4-FFF2-40B4-BE49-F238E27FC236}">
+                <a16:creationId xmlns:a16="http://schemas.microsoft.com/office/drawing/2014/main" id="{3E36219F-9065-4F30-AFC7-1073982B3828}"/>
+              </a:ext>
+            </a:extLst>
+          </p:cNvPr>
+          <p:cNvPicPr>
+            <a:picLocks noGrp="1" noChangeAspect="1"/>
+          </p:cNvPicPr>
+          <p:nvPr>
+            <p:ph idx="1"/>
+          </p:nvPr>
+        </p:nvPicPr>
+        <p:blipFill>
+          <a:blip r:embed="rId2"/>
+          <a:stretch>
+            <a:fillRect/>
+          </a:stretch>
+        </p:blipFill>
+        <p:spPr>
+          <a:xfrm>
+            <a:off x="2419619" y="1341201"/>
+            <a:ext cx="6952981" cy="5304527"/>
+          </a:xfrm>
+        </p:spPr>
+      </p:pic>
+    </p:spTree>
+    <p:extLst>
+      <p:ext uri="{BB962C8B-B14F-4D97-AF65-F5344CB8AC3E}">
+        <p14:creationId xmlns:p14="http://schemas.microsoft.com/office/powerpoint/2010/main" val="674021989"/>
+      </p:ext>
+    </p:extLst>
+  </p:cSld>
+  <p:clrMapOvr>
+    <a:masterClrMapping/>
+  </p:clrMapOvr>
+  <p:timing>
+    <p:tnLst>
+      <p:par>
+        <p:cTn id="1" dur="indefinite" restart="never" nodeType="tmRoot"/>
+      </p:par>
+    </p:tnLst>
+  </p:timing>
+</p:sld>
+</file>
+
+<file path=ppt/slides/slide21.xml><?xml version="1.0" encoding="utf-8"?>
+<p:sld xmlns:a="http://schemas.openxmlformats.org/drawingml/2006/main" xmlns:r="http://schemas.openxmlformats.org/officeDocument/2006/relationships" xmlns:p="http://schemas.openxmlformats.org/presentationml/2006/main">
+  <p:cSld>
+    <p:spTree>
+      <p:nvGrpSpPr>
+        <p:cNvPr id="1" name=""/>
+        <p:cNvGrpSpPr/>
+        <p:nvPr/>
+      </p:nvGrpSpPr>
+      <p:grpSpPr>
+        <a:xfrm>
+          <a:off x="0" y="0"/>
+          <a:ext cx="0" cy="0"/>
+          <a:chOff x="0" y="0"/>
+          <a:chExt cx="0" cy="0"/>
+        </a:xfrm>
+      </p:grpSpPr>
+      <p:pic>
+        <p:nvPicPr>
+          <p:cNvPr id="5" name="내용 개체 틀 4" descr="스크린샷이(가) 표시된 사진&#10;&#10;자동 생성된 설명">
+            <a:extLst>
+              <a:ext uri="{FF2B5EF4-FFF2-40B4-BE49-F238E27FC236}">
+                <a16:creationId xmlns:a16="http://schemas.microsoft.com/office/drawing/2014/main" id="{EA47286F-BC45-46EB-9B97-1746D0FF29B6}"/>
+              </a:ext>
+            </a:extLst>
+          </p:cNvPr>
+          <p:cNvPicPr>
+            <a:picLocks noGrp="1" noChangeAspect="1"/>
+          </p:cNvPicPr>
+          <p:nvPr>
+            <p:ph idx="1"/>
+          </p:nvPr>
+        </p:nvPicPr>
+        <p:blipFill>
+          <a:blip r:embed="rId2"/>
+          <a:stretch>
+            <a:fillRect/>
+          </a:stretch>
+        </p:blipFill>
+        <p:spPr>
+          <a:xfrm>
+            <a:off x="3179017" y="1309069"/>
+            <a:ext cx="5532275" cy="5374959"/>
+          </a:xfrm>
+        </p:spPr>
+      </p:pic>
+      <p:sp>
+        <p:nvSpPr>
+          <p:cNvPr id="6" name="직사각형 5">
+            <a:extLst>
+              <a:ext uri="{FF2B5EF4-FFF2-40B4-BE49-F238E27FC236}">
+                <a16:creationId xmlns:a16="http://schemas.microsoft.com/office/drawing/2014/main" id="{C61FF7D6-7B49-47AC-A85F-1981B1CD0558}"/>
+              </a:ext>
+            </a:extLst>
+          </p:cNvPr>
+          <p:cNvSpPr/>
+          <p:nvPr/>
+        </p:nvSpPr>
+        <p:spPr>
+          <a:xfrm>
+            <a:off x="178190" y="111510"/>
+            <a:ext cx="11533927" cy="769441"/>
+          </a:xfrm>
+          <a:prstGeom prst="rect">
+            <a:avLst/>
+          </a:prstGeom>
+        </p:spPr>
+        <p:txBody>
+          <a:bodyPr wrap="none">
+            <a:spAutoFit/>
+          </a:bodyPr>
+          <a:lstStyle/>
+          <a:p>
+            <a:r>
+              <a:rPr lang="en-US" altLang="ko-KR" sz="4400" b="1" dirty="0"/>
+              <a:t>Commit hash </a:t>
+            </a:r>
+            <a:r>
+              <a:rPr lang="ko-KR" altLang="en-US" sz="4400" b="1" dirty="0"/>
+              <a:t>코드</a:t>
+            </a:r>
+            <a:r>
+              <a:rPr lang="en-US" altLang="ko-KR" sz="4400" b="1" dirty="0"/>
+              <a:t>(</a:t>
+            </a:r>
+            <a:r>
+              <a:rPr lang="ko-KR" altLang="en-US" sz="4400" b="1" dirty="0"/>
+              <a:t>06cd737</a:t>
+            </a:r>
+            <a:r>
+              <a:rPr lang="en-US" altLang="ko-KR" sz="4400" b="1" dirty="0"/>
+              <a:t>)</a:t>
+            </a:r>
+            <a:r>
+              <a:rPr lang="ko-KR" altLang="en-US" sz="4400" b="1" dirty="0"/>
+              <a:t> 변경사항 확인</a:t>
+            </a:r>
+          </a:p>
+        </p:txBody>
+      </p:sp>
+    </p:spTree>
+    <p:extLst>
+      <p:ext uri="{BB962C8B-B14F-4D97-AF65-F5344CB8AC3E}">
+        <p14:creationId xmlns:p14="http://schemas.microsoft.com/office/powerpoint/2010/main" val="3886459838"/>
+      </p:ext>
+    </p:extLst>
+  </p:cSld>
+  <p:clrMapOvr>
+    <a:masterClrMapping/>
+  </p:clrMapOvr>
+  <p:timing>
+    <p:tnLst>
+      <p:par>
+        <p:cTn id="1" dur="indefinite" restart="never" nodeType="tmRoot"/>
+      </p:par>
+    </p:tnLst>
+  </p:timing>
+</p:sld>
+</file>
+
+<file path=ppt/slides/slide22.xml><?xml version="1.0" encoding="utf-8"?>
+<p:sld xmlns:a="http://schemas.openxmlformats.org/drawingml/2006/main" xmlns:r="http://schemas.openxmlformats.org/officeDocument/2006/relationships" xmlns:p="http://schemas.openxmlformats.org/presentationml/2006/main">
+  <p:cSld>
+    <p:spTree>
+      <p:nvGrpSpPr>
+        <p:cNvPr id="1" name=""/>
+        <p:cNvGrpSpPr/>
+        <p:nvPr/>
+      </p:nvGrpSpPr>
+      <p:grpSpPr>
+        <a:xfrm>
+          <a:off x="0" y="0"/>
+          <a:ext cx="0" cy="0"/>
+          <a:chOff x="0" y="0"/>
+          <a:chExt cx="0" cy="0"/>
+        </a:xfrm>
+      </p:grpSpPr>
+      <p:sp>
+        <p:nvSpPr>
+          <p:cNvPr id="2" name="제목 1"/>
+          <p:cNvSpPr>
+            <a:spLocks noGrp="1"/>
+          </p:cNvSpPr>
+          <p:nvPr>
+            <p:ph type="title"/>
+          </p:nvPr>
+        </p:nvSpPr>
+        <p:spPr>
+          <a:xfrm>
+            <a:off x="199845" y="114959"/>
+            <a:ext cx="10515600" cy="790815"/>
+          </a:xfrm>
+        </p:spPr>
+        <p:txBody>
+          <a:bodyPr>
+            <a:normAutofit/>
+          </a:bodyPr>
+          <a:lstStyle/>
+          <a:p>
+            <a:r>
+              <a:rPr lang="ko-KR" altLang="en-US" b="1" dirty="0" smtClean="0">
+                <a:effectLst>
+                  <a:outerShdw blurRad="38100" dist="38100" dir="2700000" algn="tl">
+                    <a:srgbClr val="000000">
+                      <a:alpha val="43137"/>
+                    </a:srgbClr>
+                  </a:outerShdw>
+                </a:effectLst>
+                <a:latin typeface="+mj-ea"/>
+              </a:rPr>
+              <a:t>실습</a:t>
+            </a:r>
+            <a:r>
+              <a:rPr lang="en-US" altLang="ko-KR" b="1" dirty="0">
+                <a:effectLst>
+                  <a:outerShdw blurRad="38100" dist="38100" dir="2700000" algn="tl">
+                    <a:srgbClr val="000000">
+                      <a:alpha val="43137"/>
+                    </a:srgbClr>
+                  </a:outerShdw>
+                </a:effectLst>
+                <a:latin typeface="+mj-ea"/>
+              </a:rPr>
+              <a:t> </a:t>
+            </a:r>
+            <a:r>
+              <a:rPr lang="en-US" altLang="ko-KR" b="1" dirty="0" smtClean="0">
+                <a:effectLst>
+                  <a:outerShdw blurRad="38100" dist="38100" dir="2700000" algn="tl">
+                    <a:srgbClr val="000000">
+                      <a:alpha val="43137"/>
+                    </a:srgbClr>
+                  </a:outerShdw>
+                </a:effectLst>
+                <a:latin typeface="+mj-ea"/>
+              </a:rPr>
+              <a:t>– </a:t>
+            </a:r>
+            <a:r>
+              <a:rPr lang="en-US" altLang="ko-KR" b="1" dirty="0" err="1" smtClean="0">
+                <a:effectLst>
+                  <a:outerShdw blurRad="38100" dist="38100" dir="2700000" algn="tl">
+                    <a:srgbClr val="000000">
+                      <a:alpha val="43137"/>
+                    </a:srgbClr>
+                  </a:outerShdw>
+                </a:effectLst>
+                <a:latin typeface="+mj-ea"/>
+              </a:rPr>
+              <a:t>github</a:t>
+            </a:r>
+            <a:r>
+              <a:rPr lang="en-US" altLang="ko-KR" b="1" dirty="0" smtClean="0">
+                <a:effectLst>
+                  <a:outerShdw blurRad="38100" dist="38100" dir="2700000" algn="tl">
+                    <a:srgbClr val="000000">
+                      <a:alpha val="43137"/>
+                    </a:srgbClr>
+                  </a:outerShdw>
+                </a:effectLst>
+                <a:latin typeface="+mj-ea"/>
+              </a:rPr>
+              <a:t> </a:t>
+            </a:r>
+            <a:r>
+              <a:rPr lang="ko-KR" altLang="en-US" b="1" dirty="0" smtClean="0">
+                <a:effectLst>
+                  <a:outerShdw blurRad="38100" dist="38100" dir="2700000" algn="tl">
+                    <a:srgbClr val="000000">
+                      <a:alpha val="43137"/>
+                    </a:srgbClr>
+                  </a:outerShdw>
+                </a:effectLst>
+                <a:latin typeface="+mj-ea"/>
+              </a:rPr>
+              <a:t>을 이용한 </a:t>
+            </a:r>
+            <a:r>
+              <a:rPr lang="en-US" altLang="ko-KR" b="1" dirty="0" smtClean="0">
+                <a:effectLst>
+                  <a:outerShdw blurRad="38100" dist="38100" dir="2700000" algn="tl">
+                    <a:srgbClr val="000000">
+                      <a:alpha val="43137"/>
+                    </a:srgbClr>
+                  </a:outerShdw>
+                </a:effectLst>
+                <a:latin typeface="+mj-ea"/>
+              </a:rPr>
+              <a:t>clone </a:t>
+            </a:r>
+            <a:r>
+              <a:rPr lang="ko-KR" altLang="en-US" b="1" dirty="0" smtClean="0">
+                <a:effectLst>
+                  <a:outerShdw blurRad="38100" dist="38100" dir="2700000" algn="tl">
+                    <a:srgbClr val="000000">
+                      <a:alpha val="43137"/>
+                    </a:srgbClr>
+                  </a:outerShdw>
+                </a:effectLst>
+                <a:latin typeface="+mj-ea"/>
+              </a:rPr>
+              <a:t>기능</a:t>
+            </a:r>
+            <a:endParaRPr lang="ko-KR" altLang="en-US" b="1" dirty="0">
+              <a:effectLst>
+                <a:outerShdw blurRad="38100" dist="38100" dir="2700000" algn="tl">
+                  <a:srgbClr val="000000">
+                    <a:alpha val="43137"/>
+                  </a:srgbClr>
+                </a:outerShdw>
+              </a:effectLst>
+              <a:latin typeface="+mj-ea"/>
+            </a:endParaRPr>
+          </a:p>
+        </p:txBody>
+      </p:sp>
+      <p:sp>
+        <p:nvSpPr>
+          <p:cNvPr id="3" name="내용 개체 틀 2"/>
+          <p:cNvSpPr>
+            <a:spLocks noGrp="1"/>
+          </p:cNvSpPr>
+          <p:nvPr>
+            <p:ph idx="1"/>
+          </p:nvPr>
+        </p:nvSpPr>
+        <p:spPr>
+          <a:xfrm>
+            <a:off x="401444" y="1069675"/>
+            <a:ext cx="10457055" cy="5107288"/>
+          </a:xfrm>
+        </p:spPr>
+        <p:txBody>
+          <a:bodyPr>
+            <a:normAutofit/>
+          </a:bodyPr>
+          <a:lstStyle/>
+          <a:p>
+            <a:pPr marL="0" indent="0">
+              <a:buNone/>
+            </a:pPr>
+            <a:r>
+              <a:rPr lang="en-US" altLang="ko-KR" sz="2000" dirty="0" smtClean="0"/>
+              <a:t>1. </a:t>
+            </a:r>
+            <a:r>
+              <a:rPr lang="en-US" altLang="ko-KR" sz="2000" dirty="0" err="1" smtClean="0"/>
+              <a:t>github</a:t>
+            </a:r>
+            <a:r>
+              <a:rPr lang="en-US" altLang="ko-KR" sz="2000" dirty="0" smtClean="0"/>
+              <a:t>(</a:t>
+            </a:r>
+            <a:r>
+              <a:rPr lang="en-US" altLang="ko-KR" sz="2000" dirty="0" smtClean="0">
+                <a:hlinkClick r:id="rId2"/>
+              </a:rPr>
+              <a:t>http://github.com</a:t>
+            </a:r>
+            <a:r>
+              <a:rPr lang="en-US" altLang="ko-KR" sz="2000" dirty="0" smtClean="0"/>
+              <a:t>) </a:t>
+            </a:r>
+            <a:r>
+              <a:rPr lang="ko-KR" altLang="en-US" sz="2000" dirty="0" smtClean="0"/>
+              <a:t>에 자신의 계정 생성</a:t>
+            </a:r>
+            <a:r>
+              <a:rPr lang="en-US" altLang="ko-KR" sz="2000" dirty="0" smtClean="0"/>
+              <a:t>.</a:t>
+            </a:r>
+          </a:p>
+          <a:p>
+            <a:pPr marL="0" indent="0">
+              <a:buNone/>
+            </a:pPr>
+            <a:r>
+              <a:rPr kumimoji="1" lang="en-US" altLang="ko-KR" sz="2000" dirty="0" smtClean="0"/>
+              <a:t>2. </a:t>
+            </a:r>
+            <a:r>
+              <a:rPr kumimoji="1" lang="ko-KR" altLang="en-US" sz="2000" dirty="0" err="1" smtClean="0"/>
+              <a:t>원격저장소</a:t>
+            </a:r>
+            <a:r>
+              <a:rPr kumimoji="1" lang="ko-KR" altLang="en-US" sz="2000" dirty="0" smtClean="0"/>
+              <a:t> </a:t>
+            </a:r>
+            <a:r>
+              <a:rPr kumimoji="1" lang="en-US" altLang="ko-KR" sz="2000" dirty="0" smtClean="0"/>
+              <a:t>Repository(</a:t>
+            </a:r>
+            <a:r>
+              <a:rPr kumimoji="1" lang="ko-KR" altLang="en-US" sz="2000" dirty="0" smtClean="0"/>
+              <a:t>이름</a:t>
+            </a:r>
+            <a:r>
+              <a:rPr kumimoji="1" lang="en-US" altLang="ko-KR" sz="2000" dirty="0" smtClean="0"/>
+              <a:t>: web2) </a:t>
+            </a:r>
+            <a:r>
+              <a:rPr kumimoji="1" lang="ko-KR" altLang="en-US" sz="2000" dirty="0" smtClean="0"/>
+              <a:t>생성</a:t>
+            </a:r>
+            <a:r>
+              <a:rPr kumimoji="1" lang="en-US" altLang="ko-KR" sz="2000" dirty="0" smtClean="0"/>
+              <a:t>.</a:t>
+            </a:r>
+            <a:endParaRPr lang="en-US" altLang="ko-KR" sz="2000" dirty="0"/>
+          </a:p>
+          <a:p>
+            <a:pPr marL="0" indent="0">
+              <a:buNone/>
+            </a:pPr>
+            <a:r>
+              <a:rPr kumimoji="1" lang="en-US" altLang="ko-KR" sz="2000" dirty="0" smtClean="0"/>
+              <a:t>3. README.md</a:t>
+            </a:r>
+            <a:r>
+              <a:rPr kumimoji="1" lang="ko-KR" altLang="en-US" sz="2000" dirty="0" smtClean="0"/>
+              <a:t>에 </a:t>
+            </a:r>
+            <a:r>
+              <a:rPr kumimoji="1" lang="ko-KR" altLang="en-US" sz="2000" dirty="0" err="1" smtClean="0"/>
+              <a:t>웹개발기초</a:t>
+            </a:r>
+            <a:r>
+              <a:rPr kumimoji="1" lang="en-US" altLang="ko-KR" sz="2000" dirty="0" smtClean="0"/>
+              <a:t>II</a:t>
+            </a:r>
+            <a:r>
+              <a:rPr kumimoji="1" lang="ko-KR" altLang="en-US" sz="2000" dirty="0" smtClean="0"/>
+              <a:t>에 대한 설명 입력</a:t>
+            </a:r>
+            <a:endParaRPr kumimoji="1" lang="en-US" altLang="ko-KR" sz="2000" dirty="0" smtClean="0"/>
+          </a:p>
+          <a:p>
+            <a:pPr marL="0" indent="0">
+              <a:buNone/>
+            </a:pPr>
+            <a:r>
+              <a:rPr lang="en-US" altLang="ko-KR" sz="2000" dirty="0" smtClean="0"/>
+              <a:t>4. clone </a:t>
+            </a:r>
+            <a:r>
+              <a:rPr lang="ko-KR" altLang="en-US" sz="2000" dirty="0" smtClean="0"/>
+              <a:t>으로 가져오기</a:t>
+            </a:r>
+            <a:endParaRPr lang="ko-KR" altLang="en-US" sz="2000" dirty="0"/>
+          </a:p>
+        </p:txBody>
+      </p:sp>
+      <p:pic>
+        <p:nvPicPr>
+          <p:cNvPr id="4" name="그림 3"/>
+          <p:cNvPicPr>
+            <a:picLocks noChangeAspect="1"/>
+          </p:cNvPicPr>
+          <p:nvPr/>
+        </p:nvPicPr>
+        <p:blipFill>
+          <a:blip r:embed="rId3">
+            <a:extLst>
+              <a:ext uri="{28A0092B-C50C-407E-A947-70E740481C1C}">
+                <a14:useLocalDpi xmlns:a14="http://schemas.microsoft.com/office/drawing/2010/main" val="0"/>
+              </a:ext>
+            </a:extLst>
+          </a:blip>
+          <a:stretch>
+            <a:fillRect/>
+          </a:stretch>
+        </p:blipFill>
+        <p:spPr>
+          <a:xfrm>
+            <a:off x="6287721" y="814619"/>
+            <a:ext cx="5662599" cy="6043381"/>
+          </a:xfrm>
+          <a:prstGeom prst="rect">
+            <a:avLst/>
+          </a:prstGeom>
+        </p:spPr>
+      </p:pic>
+      <p:sp>
+        <p:nvSpPr>
+          <p:cNvPr id="5" name="직사각형 4"/>
+          <p:cNvSpPr/>
+          <p:nvPr/>
+        </p:nvSpPr>
+        <p:spPr>
+          <a:xfrm>
+            <a:off x="6173988" y="2185317"/>
+            <a:ext cx="5163015" cy="308817"/>
+          </a:xfrm>
+          <a:prstGeom prst="rect">
+            <a:avLst/>
+          </a:prstGeom>
+          <a:noFill/>
+          <a:ln>
+            <a:solidFill>
+              <a:srgbClr val="FF0000"/>
+            </a:solidFill>
+          </a:ln>
+        </p:spPr>
+        <p:style>
+          <a:lnRef idx="2">
+            <a:schemeClr val="accent1">
+              <a:shade val="50000"/>
+            </a:schemeClr>
+          </a:lnRef>
+          <a:fillRef idx="1">
+            <a:schemeClr val="accent1"/>
+          </a:fillRef>
+          <a:effectRef idx="0">
+            <a:schemeClr val="accent1"/>
+          </a:effectRef>
+          <a:fontRef idx="minor">
+            <a:schemeClr val="lt1"/>
+          </a:fontRef>
+        </p:style>
+        <p:txBody>
+          <a:bodyPr rtlCol="0" anchor="ctr"/>
+          <a:lstStyle/>
+          <a:p>
+            <a:pPr algn="ctr"/>
+            <a:endParaRPr lang="ko-KR" altLang="en-US"/>
+          </a:p>
+        </p:txBody>
+      </p:sp>
+    </p:spTree>
+    <p:extLst>
+      <p:ext uri="{BB962C8B-B14F-4D97-AF65-F5344CB8AC3E}">
+        <p14:creationId xmlns:p14="http://schemas.microsoft.com/office/powerpoint/2010/main" val="3529177828"/>
+      </p:ext>
+    </p:extLst>
+  </p:cSld>
+  <p:clrMapOvr>
+    <a:masterClrMapping/>
+  </p:clrMapOvr>
+  <p:timing>
+    <p:tnLst>
+      <p:par>
+        <p:cTn id="1" dur="indefinite" restart="never" nodeType="tmRoot"/>
+      </p:par>
+    </p:tnLst>
+  </p:timing>
+</p:sld>
+</file>
+
+<file path=ppt/slides/slide23.xml><?xml version="1.0" encoding="utf-8"?>
+<p:sld xmlns:a="http://schemas.openxmlformats.org/drawingml/2006/main" xmlns:r="http://schemas.openxmlformats.org/officeDocument/2006/relationships" xmlns:p="http://schemas.openxmlformats.org/presentationml/2006/main">
+  <p:cSld>
+    <p:spTree>
+      <p:nvGrpSpPr>
+        <p:cNvPr id="1" name=""/>
+        <p:cNvGrpSpPr/>
+        <p:nvPr/>
+      </p:nvGrpSpPr>
+      <p:grpSpPr>
+        <a:xfrm>
+          <a:off x="0" y="0"/>
+          <a:ext cx="0" cy="0"/>
+          <a:chOff x="0" y="0"/>
+          <a:chExt cx="0" cy="0"/>
+        </a:xfrm>
+      </p:grpSpPr>
+      <p:sp>
+        <p:nvSpPr>
           <p:cNvPr id="2" name="제목 1"/>
           <p:cNvSpPr>
             <a:spLocks noGrp="1"/>
@@ -8282,11 +9367,7 @@
             </a:r>
             <a:r>
               <a:rPr lang="ko-KR" altLang="en-US" sz="2000" dirty="0" smtClean="0"/>
-              <a:t>에서 </a:t>
-            </a:r>
-            <a:r>
-              <a:rPr lang="ko-KR" altLang="en-US" sz="2000" dirty="0" smtClean="0"/>
-              <a:t>실습한 코드를 </a:t>
+              <a:t>에서 실습한 코드를 </a:t>
             </a:r>
             <a:r>
               <a:rPr lang="en-US" altLang="ko-KR" sz="2000" dirty="0" smtClean="0"/>
@@ -8377,6 +9458,174 @@
               <a:t>.</a:t>
             </a:r>
             <a:endParaRPr lang="ko-KR" altLang="en-US" sz="2000" dirty="0"/>
+          </a:p>
+        </p:txBody>
+      </p:sp>
+      <p:pic>
+        <p:nvPicPr>
+          <p:cNvPr id="4" name="그림 3"/>
+          <p:cNvPicPr>
+            <a:picLocks noChangeAspect="1"/>
+          </p:cNvPicPr>
+          <p:nvPr/>
+        </p:nvPicPr>
+        <p:blipFill>
+          <a:blip r:embed="rId2">
+            <a:extLst>
+              <a:ext uri="{28A0092B-C50C-407E-A947-70E740481C1C}">
+                <a14:useLocalDpi xmlns:a14="http://schemas.microsoft.com/office/drawing/2010/main" val="0"/>
+              </a:ext>
+            </a:extLst>
+          </a:blip>
+          <a:stretch>
+            <a:fillRect/>
+          </a:stretch>
+        </p:blipFill>
+        <p:spPr>
+          <a:xfrm>
+            <a:off x="5913407" y="2031740"/>
+            <a:ext cx="5798910" cy="4360969"/>
+          </a:xfrm>
+          <a:prstGeom prst="rect">
+            <a:avLst/>
+          </a:prstGeom>
+        </p:spPr>
+      </p:pic>
+      <p:sp>
+        <p:nvSpPr>
+          <p:cNvPr id="5" name="직사각형 4"/>
+          <p:cNvSpPr/>
+          <p:nvPr/>
+        </p:nvSpPr>
+        <p:spPr>
+          <a:xfrm>
+            <a:off x="5913408" y="2223772"/>
+            <a:ext cx="1354874" cy="308817"/>
+          </a:xfrm>
+          <a:prstGeom prst="rect">
+            <a:avLst/>
+          </a:prstGeom>
+          <a:noFill/>
+          <a:ln>
+            <a:solidFill>
+              <a:srgbClr val="FF0000"/>
+            </a:solidFill>
+          </a:ln>
+        </p:spPr>
+        <p:style>
+          <a:lnRef idx="2">
+            <a:schemeClr val="accent1">
+              <a:shade val="50000"/>
+            </a:schemeClr>
+          </a:lnRef>
+          <a:fillRef idx="1">
+            <a:schemeClr val="accent1"/>
+          </a:fillRef>
+          <a:effectRef idx="0">
+            <a:schemeClr val="accent1"/>
+          </a:effectRef>
+          <a:fontRef idx="minor">
+            <a:schemeClr val="lt1"/>
+          </a:fontRef>
+        </p:style>
+        <p:txBody>
+          <a:bodyPr rtlCol="0" anchor="ctr"/>
+          <a:lstStyle/>
+          <a:p>
+            <a:pPr algn="ctr"/>
+            <a:endParaRPr lang="ko-KR" altLang="en-US"/>
+          </a:p>
+        </p:txBody>
+      </p:sp>
+      <p:sp>
+        <p:nvSpPr>
+          <p:cNvPr id="6" name="직사각형 5"/>
+          <p:cNvSpPr/>
+          <p:nvPr/>
+        </p:nvSpPr>
+        <p:spPr>
+          <a:xfrm>
+            <a:off x="5913406" y="2684989"/>
+            <a:ext cx="3027558" cy="308817"/>
+          </a:xfrm>
+          <a:prstGeom prst="rect">
+            <a:avLst/>
+          </a:prstGeom>
+          <a:noFill/>
+          <a:ln>
+            <a:solidFill>
+              <a:srgbClr val="FF0000"/>
+            </a:solidFill>
+          </a:ln>
+        </p:spPr>
+        <p:style>
+          <a:lnRef idx="2">
+            <a:schemeClr val="accent1">
+              <a:shade val="50000"/>
+            </a:schemeClr>
+          </a:lnRef>
+          <a:fillRef idx="1">
+            <a:schemeClr val="accent1"/>
+          </a:fillRef>
+          <a:effectRef idx="0">
+            <a:schemeClr val="accent1"/>
+          </a:effectRef>
+          <a:fontRef idx="minor">
+            <a:schemeClr val="lt1"/>
+          </a:fontRef>
+        </p:style>
+        <p:txBody>
+          <a:bodyPr rtlCol="0" anchor="ctr"/>
+          <a:lstStyle/>
+          <a:p>
+            <a:pPr algn="ctr"/>
+            <a:endParaRPr lang="ko-KR" altLang="en-US"/>
+          </a:p>
+        </p:txBody>
+      </p:sp>
+      <p:sp>
+        <p:nvSpPr>
+          <p:cNvPr id="7" name="직사각형 6"/>
+          <p:cNvSpPr/>
+          <p:nvPr/>
+        </p:nvSpPr>
+        <p:spPr>
+          <a:xfrm>
+            <a:off x="5913408" y="3817998"/>
+            <a:ext cx="5692698" cy="308817"/>
+          </a:xfrm>
+          <a:prstGeom prst="rect">
+            <a:avLst/>
+          </a:prstGeom>
+          <a:noFill/>
+          <a:ln>
+            <a:solidFill>
+              <a:srgbClr val="FF0000"/>
+            </a:solidFill>
+          </a:ln>
+        </p:spPr>
+        <p:style>
+          <a:lnRef idx="2">
+            <a:schemeClr val="accent1">
+              <a:shade val="50000"/>
+            </a:schemeClr>
+          </a:lnRef>
+          <a:fillRef idx="1">
+            <a:schemeClr val="accent1"/>
+          </a:fillRef>
+          <a:effectRef idx="0">
+            <a:schemeClr val="accent1"/>
+          </a:effectRef>
+          <a:fontRef idx="minor">
+            <a:schemeClr val="lt1"/>
+          </a:fontRef>
+        </p:style>
+        <p:txBody>
+          <a:bodyPr rtlCol="0" anchor="ctr"/>
+          <a:lstStyle/>
+          <a:p>
+            <a:pPr algn="ctr"/>
+            <a:endParaRPr lang="ko-KR" altLang="en-US"/>
           </a:p>
         </p:txBody>
       </p:sp>
@@ -8400,7 +9649,7 @@
 </p:sld>
 </file>
 
-<file path=ppt/slides/slide21.xml><?xml version="1.0" encoding="utf-8"?>
+<file path=ppt/slides/slide24.xml><?xml version="1.0" encoding="utf-8"?>
 <p:sld xmlns:a="http://schemas.openxmlformats.org/drawingml/2006/main" xmlns:r="http://schemas.openxmlformats.org/officeDocument/2006/relationships" xmlns:p="http://schemas.openxmlformats.org/presentationml/2006/main">
   <p:cSld>
     <p:spTree>
@@ -8662,7 +9911,7 @@
 </p:sld>
 </file>
 
-<file path=ppt/slides/slide22.xml><?xml version="1.0" encoding="utf-8"?>
+<file path=ppt/slides/slide25.xml><?xml version="1.0" encoding="utf-8"?>
 <p:sld xmlns:a="http://schemas.openxmlformats.org/drawingml/2006/main" xmlns:r="http://schemas.openxmlformats.org/officeDocument/2006/relationships" xmlns:p="http://schemas.openxmlformats.org/presentationml/2006/main">
   <p:cSld>
     <p:spTree>
@@ -8939,7 +10188,7 @@
 </p:sld>
 </file>
 
-<file path=ppt/slides/slide23.xml><?xml version="1.0" encoding="utf-8"?>
+<file path=ppt/slides/slide26.xml><?xml version="1.0" encoding="utf-8"?>
 <p:sld xmlns:a="http://schemas.openxmlformats.org/drawingml/2006/main" xmlns:r="http://schemas.openxmlformats.org/officeDocument/2006/relationships" xmlns:p="http://schemas.openxmlformats.org/presentationml/2006/main">
   <p:cSld>
     <p:spTree>
@@ -9131,7 +10380,7 @@
 </p:sld>
 </file>
 
-<file path=ppt/slides/slide24.xml><?xml version="1.0" encoding="utf-8"?>
+<file path=ppt/slides/slide27.xml><?xml version="1.0" encoding="utf-8"?>
 <p:sld xmlns:a="http://schemas.openxmlformats.org/drawingml/2006/main" xmlns:r="http://schemas.openxmlformats.org/officeDocument/2006/relationships" xmlns:p="http://schemas.openxmlformats.org/presentationml/2006/main">
   <p:cSld>
     <p:spTree>
@@ -9370,7 +10619,7 @@
 </p:sld>
 </file>
 
-<file path=ppt/slides/slide25.xml><?xml version="1.0" encoding="utf-8"?>
+<file path=ppt/slides/slide28.xml><?xml version="1.0" encoding="utf-8"?>
 <p:sld xmlns:a="http://schemas.openxmlformats.org/drawingml/2006/main" xmlns:r="http://schemas.openxmlformats.org/officeDocument/2006/relationships" xmlns:p="http://schemas.openxmlformats.org/presentationml/2006/main">
   <p:cSld>
     <p:spTree>
@@ -9624,7 +10873,7 @@
 </p:sld>
 </file>
 
-<file path=ppt/slides/slide26.xml><?xml version="1.0" encoding="utf-8"?>
+<file path=ppt/slides/slide29.xml><?xml version="1.0" encoding="utf-8"?>
 <p:sld xmlns:a="http://schemas.openxmlformats.org/drawingml/2006/main" xmlns:r="http://schemas.openxmlformats.org/officeDocument/2006/relationships" xmlns:p="http://schemas.openxmlformats.org/presentationml/2006/main">
   <p:cSld>
     <p:spTree>
@@ -9865,7 +11114,805 @@
 </p:sld>
 </file>
 
-<file path=ppt/slides/slide27.xml><?xml version="1.0" encoding="utf-8"?>
+<file path=ppt/slides/slide3.xml><?xml version="1.0" encoding="utf-8"?>
+<p:sld xmlns:a="http://schemas.openxmlformats.org/drawingml/2006/main" xmlns:r="http://schemas.openxmlformats.org/officeDocument/2006/relationships" xmlns:p="http://schemas.openxmlformats.org/presentationml/2006/main">
+  <p:cSld>
+    <p:spTree>
+      <p:nvGrpSpPr>
+        <p:cNvPr id="1" name=""/>
+        <p:cNvGrpSpPr/>
+        <p:nvPr/>
+      </p:nvGrpSpPr>
+      <p:grpSpPr>
+        <a:xfrm>
+          <a:off x="0" y="0"/>
+          <a:ext cx="0" cy="0"/>
+          <a:chOff x="0" y="0"/>
+          <a:chExt cx="0" cy="0"/>
+        </a:xfrm>
+      </p:grpSpPr>
+      <p:sp>
+        <p:nvSpPr>
+          <p:cNvPr id="2" name="제목 1">
+            <a:extLst>
+              <a:ext uri="{FF2B5EF4-FFF2-40B4-BE49-F238E27FC236}">
+                <a16:creationId xmlns:a16="http://schemas.microsoft.com/office/drawing/2014/main" id="{D728271C-9F25-0041-94CA-06A8AB848977}"/>
+              </a:ext>
+            </a:extLst>
+          </p:cNvPr>
+          <p:cNvSpPr>
+            <a:spLocks noGrp="1"/>
+          </p:cNvSpPr>
+          <p:nvPr>
+            <p:ph type="title"/>
+          </p:nvPr>
+        </p:nvSpPr>
+        <p:spPr>
+          <a:xfrm>
+            <a:off x="136236" y="111415"/>
+            <a:ext cx="11289146" cy="839930"/>
+          </a:xfrm>
+        </p:spPr>
+        <p:txBody>
+          <a:bodyPr>
+            <a:normAutofit/>
+          </a:bodyPr>
+          <a:lstStyle/>
+          <a:p>
+            <a:r>
+              <a:rPr kumimoji="1" lang="ko-KR" altLang="en-US" dirty="0" err="1" smtClean="0"/>
+              <a:t>원격저장소</a:t>
+            </a:r>
+            <a:r>
+              <a:rPr kumimoji="1" lang="en-US" altLang="ko-KR" dirty="0" smtClean="0"/>
+              <a:t>(GitHub)</a:t>
+            </a:r>
+            <a:r>
+              <a:rPr kumimoji="1" lang="ko-KR" altLang="en-US" dirty="0" smtClean="0"/>
+              <a:t> </a:t>
+            </a:r>
+            <a:r>
+              <a:rPr kumimoji="1" lang="en-US" altLang="ko-KR" dirty="0" smtClean="0"/>
+              <a:t>Repository </a:t>
+            </a:r>
+            <a:r>
+              <a:rPr kumimoji="1" lang="ko-KR" altLang="en-US" dirty="0" smtClean="0"/>
+              <a:t>생성</a:t>
+            </a:r>
+            <a:endParaRPr kumimoji="1" lang="ko-KR" altLang="en-US" dirty="0"/>
+          </a:p>
+        </p:txBody>
+      </p:sp>
+      <p:sp>
+        <p:nvSpPr>
+          <p:cNvPr id="4" name="직사각형 3"/>
+          <p:cNvSpPr/>
+          <p:nvPr/>
+        </p:nvSpPr>
+        <p:spPr>
+          <a:xfrm>
+            <a:off x="639192" y="1040872"/>
+            <a:ext cx="10556034" cy="2323713"/>
+          </a:xfrm>
+          <a:prstGeom prst="rect">
+            <a:avLst/>
+          </a:prstGeom>
+        </p:spPr>
+        <p:txBody>
+          <a:bodyPr wrap="square">
+            <a:spAutoFit/>
+          </a:bodyPr>
+          <a:lstStyle/>
+          <a:p>
+            <a:pPr marL="469900" indent="-457200">
+              <a:lnSpc>
+                <a:spcPct val="100000"/>
+              </a:lnSpc>
+              <a:spcBef>
+                <a:spcPts val="1105"/>
+              </a:spcBef>
+              <a:buClr>
+                <a:schemeClr val="tx1"/>
+              </a:buClr>
+              <a:buFont typeface="+mj-lt"/>
+              <a:buAutoNum type="arabicPeriod"/>
+              <a:tabLst>
+                <a:tab pos="241300" algn="l"/>
+              </a:tabLst>
+            </a:pPr>
+            <a:r>
+              <a:rPr lang="en-US" altLang="ko-KR" sz="2400" u="heavy" kern="0" dirty="0">
+                <a:solidFill>
+                  <a:srgbClr val="0562C1"/>
+                </a:solidFill>
+                <a:uFill>
+                  <a:solidFill>
+                    <a:srgbClr val="0562C1"/>
+                  </a:solidFill>
+                </a:uFill>
+                <a:latin typeface="+mj-lt"/>
+                <a:cs typeface="나눔스퀘어OTF Light"/>
+                <a:hlinkClick r:id="rId2"/>
+              </a:rPr>
+              <a:t>https://github.com</a:t>
+            </a:r>
+            <a:r>
+              <a:rPr lang="en-US" altLang="ko-KR" sz="2400" u="heavy" kern="0" dirty="0" smtClean="0">
+                <a:solidFill>
+                  <a:srgbClr val="0562C1"/>
+                </a:solidFill>
+                <a:uFill>
+                  <a:solidFill>
+                    <a:srgbClr val="0562C1"/>
+                  </a:solidFill>
+                </a:uFill>
+                <a:latin typeface="+mj-lt"/>
+                <a:cs typeface="나눔스퀘어OTF Light"/>
+                <a:hlinkClick r:id="rId2"/>
+              </a:rPr>
+              <a:t>/</a:t>
+            </a:r>
+            <a:r>
+              <a:rPr lang="en-US" altLang="ko-KR" sz="2400" kern="0" dirty="0" smtClean="0">
+                <a:uFill>
+                  <a:solidFill>
+                    <a:srgbClr val="0562C1"/>
+                  </a:solidFill>
+                </a:uFill>
+                <a:latin typeface="+mj-lt"/>
+                <a:cs typeface="나눔스퀘어OTF Light"/>
+              </a:rPr>
+              <a:t> </a:t>
+            </a:r>
+            <a:r>
+              <a:rPr lang="ko-KR" altLang="en-US" sz="2400" kern="0" dirty="0" smtClean="0">
+                <a:uFill>
+                  <a:solidFill>
+                    <a:srgbClr val="0562C1"/>
+                  </a:solidFill>
+                </a:uFill>
+                <a:latin typeface="+mj-lt"/>
+                <a:cs typeface="나눔스퀘어OTF Light"/>
+              </a:rPr>
+              <a:t>에 접속하기</a:t>
+            </a:r>
+            <a:endParaRPr lang="en-US" altLang="ko-KR" sz="2400" kern="0" dirty="0">
+              <a:latin typeface="+mj-lt"/>
+              <a:cs typeface="나눔스퀘어OTF Light"/>
+            </a:endParaRPr>
+          </a:p>
+          <a:p>
+            <a:pPr marL="469900" indent="-457200">
+              <a:lnSpc>
+                <a:spcPct val="100000"/>
+              </a:lnSpc>
+              <a:spcBef>
+                <a:spcPts val="1010"/>
+              </a:spcBef>
+              <a:buFont typeface="+mj-lt"/>
+              <a:buAutoNum type="arabicPeriod"/>
+              <a:tabLst>
+                <a:tab pos="241300" algn="l"/>
+              </a:tabLst>
+            </a:pPr>
+            <a:r>
+              <a:rPr lang="ko-KR" altLang="en-US" sz="2400" kern="0" dirty="0" smtClean="0">
+                <a:latin typeface="+mj-lt"/>
+                <a:cs typeface="나눔스퀘어OTF Light"/>
+              </a:rPr>
+              <a:t>계정 만들고</a:t>
+            </a:r>
+            <a:r>
+              <a:rPr lang="en-US" altLang="ko-KR" sz="2400" kern="0" dirty="0" smtClean="0">
+                <a:latin typeface="+mj-lt"/>
+                <a:cs typeface="나눔스퀘어OTF Light"/>
+              </a:rPr>
+              <a:t>(</a:t>
+            </a:r>
+            <a:r>
+              <a:rPr lang="en-US" altLang="ko-KR" sz="2400" kern="0" dirty="0">
+                <a:latin typeface="+mj-lt"/>
+                <a:cs typeface="나눔스퀘어OTF Light"/>
+              </a:rPr>
+              <a:t>Sign up) </a:t>
+            </a:r>
+            <a:r>
+              <a:rPr lang="ko-KR" altLang="en-US" sz="2400" kern="0" dirty="0">
+                <a:latin typeface="+mj-lt"/>
+                <a:cs typeface="나눔스퀘어OTF Light"/>
+              </a:rPr>
+              <a:t>로그인하기</a:t>
+            </a:r>
+            <a:r>
+              <a:rPr lang="en-US" altLang="ko-KR" sz="2400" kern="0" dirty="0">
+                <a:latin typeface="+mj-lt"/>
+                <a:cs typeface="나눔스퀘어OTF Light"/>
+              </a:rPr>
+              <a:t>(Sign in</a:t>
+            </a:r>
+            <a:r>
+              <a:rPr lang="en-US" altLang="ko-KR" sz="2400" kern="0" dirty="0" smtClean="0">
+                <a:latin typeface="+mj-lt"/>
+                <a:cs typeface="나눔스퀘어OTF Light"/>
+              </a:rPr>
+              <a:t>)</a:t>
+            </a:r>
+          </a:p>
+          <a:p>
+            <a:pPr marL="469900" indent="-457200">
+              <a:lnSpc>
+                <a:spcPct val="100000"/>
+              </a:lnSpc>
+              <a:spcBef>
+                <a:spcPts val="1010"/>
+              </a:spcBef>
+              <a:buFont typeface="+mj-lt"/>
+              <a:buAutoNum type="arabicPeriod"/>
+              <a:tabLst>
+                <a:tab pos="241300" algn="l"/>
+              </a:tabLst>
+            </a:pPr>
+            <a:r>
+              <a:rPr lang="ko-KR" altLang="en-US" sz="2400" kern="0" dirty="0" smtClean="0">
+                <a:latin typeface="+mj-lt"/>
+                <a:cs typeface="나눔스퀘어OTF Light"/>
+              </a:rPr>
+              <a:t>저장소 생성하기 </a:t>
+            </a:r>
+            <a:r>
+              <a:rPr lang="en-US" altLang="ko-KR" sz="2400" kern="0" dirty="0" smtClean="0">
+                <a:latin typeface="+mj-lt"/>
+                <a:cs typeface="나눔스퀘어OTF Light"/>
+              </a:rPr>
+              <a:t>(repository name : test)</a:t>
+            </a:r>
+          </a:p>
+          <a:p>
+            <a:pPr marL="755650" lvl="1" indent="-285750">
+              <a:spcBef>
+                <a:spcPts val="1010"/>
+              </a:spcBef>
+              <a:buFont typeface="Wingdings" panose="05000000000000000000" pitchFamily="2" charset="2"/>
+              <a:buChar char="§"/>
+              <a:tabLst>
+                <a:tab pos="241300" algn="l"/>
+              </a:tabLst>
+            </a:pPr>
+            <a:r>
+              <a:rPr lang="ko-KR" altLang="en-US" sz="2400" kern="0" dirty="0" smtClean="0">
+                <a:latin typeface="+mj-lt"/>
+                <a:cs typeface="나눔스퀘어OTF Light"/>
+              </a:rPr>
+              <a:t>상단의 </a:t>
+            </a:r>
+            <a:r>
+              <a:rPr lang="en-US" altLang="ko-KR" sz="2400" kern="0" dirty="0">
+                <a:latin typeface="+mj-lt"/>
+                <a:cs typeface="나눔스퀘어OTF Light"/>
+              </a:rPr>
+              <a:t>+</a:t>
+            </a:r>
+            <a:r>
+              <a:rPr lang="ko-KR" altLang="en-US" sz="2400" kern="0" dirty="0">
+                <a:latin typeface="+mj-lt"/>
+                <a:cs typeface="나눔스퀘어OTF Light"/>
+              </a:rPr>
+              <a:t>를 누르고 </a:t>
+            </a:r>
+            <a:r>
+              <a:rPr lang="en-US" altLang="ko-KR" sz="2400" kern="0" dirty="0">
+                <a:latin typeface="+mj-lt"/>
+                <a:cs typeface="나눔스퀘어OTF Light"/>
+              </a:rPr>
+              <a:t>New repository</a:t>
+            </a:r>
+            <a:r>
+              <a:rPr lang="ko-KR" altLang="en-US" sz="2400" kern="0" dirty="0">
+                <a:latin typeface="+mj-lt"/>
+                <a:cs typeface="나눔스퀘어OTF Light"/>
+              </a:rPr>
+              <a:t>를 누르거나  </a:t>
+            </a:r>
+            <a:r>
+              <a:rPr lang="en-US" altLang="ko-KR" sz="2400" kern="0" dirty="0">
+                <a:latin typeface="+mj-lt"/>
+                <a:cs typeface="나눔스퀘어OTF Light"/>
+              </a:rPr>
+              <a:t>Your repository</a:t>
+            </a:r>
+            <a:r>
+              <a:rPr lang="ko-KR" altLang="en-US" sz="2400" kern="0" dirty="0">
+                <a:latin typeface="+mj-lt"/>
+                <a:cs typeface="나눔스퀘어OTF Light"/>
+              </a:rPr>
+              <a:t>의 </a:t>
+            </a:r>
+            <a:r>
+              <a:rPr lang="en-US" altLang="ko-KR" sz="2400" kern="0" dirty="0">
+                <a:latin typeface="+mj-lt"/>
+                <a:cs typeface="나눔스퀘어OTF Light"/>
+              </a:rPr>
+              <a:t>New </a:t>
+            </a:r>
+            <a:r>
+              <a:rPr lang="en-US" altLang="ko-KR" sz="2400" kern="0" dirty="0" smtClean="0">
+                <a:latin typeface="+mj-lt"/>
+                <a:cs typeface="나눔스퀘어OTF Light"/>
+              </a:rPr>
+              <a:t>repository </a:t>
+            </a:r>
+            <a:r>
+              <a:rPr lang="ko-KR" altLang="en-US" sz="2400" kern="0" dirty="0" smtClean="0">
+                <a:latin typeface="+mj-lt"/>
+                <a:cs typeface="나눔스퀘어OTF Light"/>
+              </a:rPr>
+              <a:t>클릭</a:t>
+            </a:r>
+            <a:endParaRPr lang="en-US" altLang="ko-KR" sz="2400" kern="0" dirty="0">
+              <a:latin typeface="+mj-lt"/>
+              <a:cs typeface="나눔스퀘어OTF Light"/>
+            </a:endParaRPr>
+          </a:p>
+        </p:txBody>
+      </p:sp>
+      <p:sp>
+        <p:nvSpPr>
+          <p:cNvPr id="9" name="object 4"/>
+          <p:cNvSpPr/>
+          <p:nvPr/>
+        </p:nvSpPr>
+        <p:spPr>
+          <a:xfrm>
+            <a:off x="2698595" y="3344773"/>
+            <a:ext cx="6438896" cy="3404205"/>
+          </a:xfrm>
+          <a:prstGeom prst="rect">
+            <a:avLst/>
+          </a:prstGeom>
+          <a:blipFill>
+            <a:blip r:embed="rId3" cstate="print"/>
+            <a:stretch>
+              <a:fillRect/>
+            </a:stretch>
+          </a:blipFill>
+          <a:ln>
+            <a:solidFill>
+              <a:schemeClr val="tx1">
+                <a:lumMod val="75000"/>
+                <a:lumOff val="25000"/>
+              </a:schemeClr>
+            </a:solidFill>
+          </a:ln>
+        </p:spPr>
+        <p:txBody>
+          <a:bodyPr wrap="square" lIns="0" tIns="0" rIns="0" bIns="0" rtlCol="0"/>
+          <a:lstStyle/>
+          <a:p>
+            <a:endParaRPr/>
+          </a:p>
+        </p:txBody>
+      </p:sp>
+      <p:sp>
+        <p:nvSpPr>
+          <p:cNvPr id="10" name="object 5"/>
+          <p:cNvSpPr/>
+          <p:nvPr/>
+        </p:nvSpPr>
+        <p:spPr>
+          <a:xfrm>
+            <a:off x="7503764" y="3601843"/>
+            <a:ext cx="1199515" cy="314429"/>
+          </a:xfrm>
+          <a:custGeom>
+            <a:avLst/>
+            <a:gdLst/>
+            <a:ahLst/>
+            <a:cxnLst/>
+            <a:rect l="l" t="t" r="r" b="b"/>
+            <a:pathLst>
+              <a:path w="1199515" h="571500">
+                <a:moveTo>
+                  <a:pt x="1199388" y="571500"/>
+                </a:moveTo>
+                <a:lnTo>
+                  <a:pt x="0" y="571500"/>
+                </a:lnTo>
+                <a:lnTo>
+                  <a:pt x="0" y="0"/>
+                </a:lnTo>
+                <a:lnTo>
+                  <a:pt x="1199388" y="0"/>
+                </a:lnTo>
+                <a:lnTo>
+                  <a:pt x="1199388" y="19812"/>
+                </a:lnTo>
+                <a:lnTo>
+                  <a:pt x="38100" y="19812"/>
+                </a:lnTo>
+                <a:lnTo>
+                  <a:pt x="18288" y="38100"/>
+                </a:lnTo>
+                <a:lnTo>
+                  <a:pt x="38100" y="38100"/>
+                </a:lnTo>
+                <a:lnTo>
+                  <a:pt x="38100" y="533400"/>
+                </a:lnTo>
+                <a:lnTo>
+                  <a:pt x="18288" y="533400"/>
+                </a:lnTo>
+                <a:lnTo>
+                  <a:pt x="38100" y="551687"/>
+                </a:lnTo>
+                <a:lnTo>
+                  <a:pt x="1199388" y="551687"/>
+                </a:lnTo>
+                <a:lnTo>
+                  <a:pt x="1199388" y="571500"/>
+                </a:lnTo>
+                <a:close/>
+              </a:path>
+              <a:path w="1199515" h="571500">
+                <a:moveTo>
+                  <a:pt x="38100" y="38100"/>
+                </a:moveTo>
+                <a:lnTo>
+                  <a:pt x="18288" y="38100"/>
+                </a:lnTo>
+                <a:lnTo>
+                  <a:pt x="38100" y="19812"/>
+                </a:lnTo>
+                <a:lnTo>
+                  <a:pt x="38100" y="38100"/>
+                </a:lnTo>
+                <a:close/>
+              </a:path>
+              <a:path w="1199515" h="571500">
+                <a:moveTo>
+                  <a:pt x="1161288" y="38100"/>
+                </a:moveTo>
+                <a:lnTo>
+                  <a:pt x="38100" y="38100"/>
+                </a:lnTo>
+                <a:lnTo>
+                  <a:pt x="38100" y="19812"/>
+                </a:lnTo>
+                <a:lnTo>
+                  <a:pt x="1161288" y="19812"/>
+                </a:lnTo>
+                <a:lnTo>
+                  <a:pt x="1161288" y="38100"/>
+                </a:lnTo>
+                <a:close/>
+              </a:path>
+              <a:path w="1199515" h="571500">
+                <a:moveTo>
+                  <a:pt x="1161288" y="551687"/>
+                </a:moveTo>
+                <a:lnTo>
+                  <a:pt x="1161288" y="19812"/>
+                </a:lnTo>
+                <a:lnTo>
+                  <a:pt x="1181100" y="38100"/>
+                </a:lnTo>
+                <a:lnTo>
+                  <a:pt x="1199388" y="38100"/>
+                </a:lnTo>
+                <a:lnTo>
+                  <a:pt x="1199388" y="533400"/>
+                </a:lnTo>
+                <a:lnTo>
+                  <a:pt x="1181100" y="533400"/>
+                </a:lnTo>
+                <a:lnTo>
+                  <a:pt x="1161288" y="551687"/>
+                </a:lnTo>
+                <a:close/>
+              </a:path>
+              <a:path w="1199515" h="571500">
+                <a:moveTo>
+                  <a:pt x="1199388" y="38100"/>
+                </a:moveTo>
+                <a:lnTo>
+                  <a:pt x="1181100" y="38100"/>
+                </a:lnTo>
+                <a:lnTo>
+                  <a:pt x="1161288" y="19812"/>
+                </a:lnTo>
+                <a:lnTo>
+                  <a:pt x="1199388" y="19812"/>
+                </a:lnTo>
+                <a:lnTo>
+                  <a:pt x="1199388" y="38100"/>
+                </a:lnTo>
+                <a:close/>
+              </a:path>
+              <a:path w="1199515" h="571500">
+                <a:moveTo>
+                  <a:pt x="38100" y="551687"/>
+                </a:moveTo>
+                <a:lnTo>
+                  <a:pt x="18288" y="533400"/>
+                </a:lnTo>
+                <a:lnTo>
+                  <a:pt x="38100" y="533400"/>
+                </a:lnTo>
+                <a:lnTo>
+                  <a:pt x="38100" y="551687"/>
+                </a:lnTo>
+                <a:close/>
+              </a:path>
+              <a:path w="1199515" h="571500">
+                <a:moveTo>
+                  <a:pt x="1161288" y="551687"/>
+                </a:moveTo>
+                <a:lnTo>
+                  <a:pt x="38100" y="551687"/>
+                </a:lnTo>
+                <a:lnTo>
+                  <a:pt x="38100" y="533400"/>
+                </a:lnTo>
+                <a:lnTo>
+                  <a:pt x="1161288" y="533400"/>
+                </a:lnTo>
+                <a:lnTo>
+                  <a:pt x="1161288" y="551687"/>
+                </a:lnTo>
+                <a:close/>
+              </a:path>
+              <a:path w="1199515" h="571500">
+                <a:moveTo>
+                  <a:pt x="1199388" y="551687"/>
+                </a:moveTo>
+                <a:lnTo>
+                  <a:pt x="1161288" y="551687"/>
+                </a:lnTo>
+                <a:lnTo>
+                  <a:pt x="1181100" y="533400"/>
+                </a:lnTo>
+                <a:lnTo>
+                  <a:pt x="1199388" y="533400"/>
+                </a:lnTo>
+                <a:lnTo>
+                  <a:pt x="1199388" y="551687"/>
+                </a:lnTo>
+                <a:close/>
+              </a:path>
+            </a:pathLst>
+          </a:custGeom>
+          <a:solidFill>
+            <a:srgbClr val="FF0000"/>
+          </a:solidFill>
+        </p:spPr>
+        <p:txBody>
+          <a:bodyPr wrap="square" lIns="0" tIns="0" rIns="0" bIns="0" rtlCol="0"/>
+          <a:lstStyle/>
+          <a:p>
+            <a:endParaRPr/>
+          </a:p>
+        </p:txBody>
+      </p:sp>
+      <p:sp>
+        <p:nvSpPr>
+          <p:cNvPr id="11" name="object 6"/>
+          <p:cNvSpPr/>
+          <p:nvPr/>
+        </p:nvSpPr>
+        <p:spPr>
+          <a:xfrm>
+            <a:off x="8190531" y="5056041"/>
+            <a:ext cx="792480" cy="353695"/>
+          </a:xfrm>
+          <a:custGeom>
+            <a:avLst/>
+            <a:gdLst/>
+            <a:ahLst/>
+            <a:cxnLst/>
+            <a:rect l="l" t="t" r="r" b="b"/>
+            <a:pathLst>
+              <a:path w="792479" h="353695">
+                <a:moveTo>
+                  <a:pt x="792479" y="353568"/>
+                </a:moveTo>
+                <a:lnTo>
+                  <a:pt x="0" y="353568"/>
+                </a:lnTo>
+                <a:lnTo>
+                  <a:pt x="0" y="0"/>
+                </a:lnTo>
+                <a:lnTo>
+                  <a:pt x="792479" y="0"/>
+                </a:lnTo>
+                <a:lnTo>
+                  <a:pt x="792479" y="19812"/>
+                </a:lnTo>
+                <a:lnTo>
+                  <a:pt x="38100" y="19812"/>
+                </a:lnTo>
+                <a:lnTo>
+                  <a:pt x="19812" y="38100"/>
+                </a:lnTo>
+                <a:lnTo>
+                  <a:pt x="38100" y="38100"/>
+                </a:lnTo>
+                <a:lnTo>
+                  <a:pt x="38100" y="315467"/>
+                </a:lnTo>
+                <a:lnTo>
+                  <a:pt x="19812" y="315467"/>
+                </a:lnTo>
+                <a:lnTo>
+                  <a:pt x="38100" y="333756"/>
+                </a:lnTo>
+                <a:lnTo>
+                  <a:pt x="792479" y="333756"/>
+                </a:lnTo>
+                <a:lnTo>
+                  <a:pt x="792479" y="353568"/>
+                </a:lnTo>
+                <a:close/>
+              </a:path>
+              <a:path w="792479" h="353695">
+                <a:moveTo>
+                  <a:pt x="38100" y="38100"/>
+                </a:moveTo>
+                <a:lnTo>
+                  <a:pt x="19812" y="38100"/>
+                </a:lnTo>
+                <a:lnTo>
+                  <a:pt x="38100" y="19812"/>
+                </a:lnTo>
+                <a:lnTo>
+                  <a:pt x="38100" y="38100"/>
+                </a:lnTo>
+                <a:close/>
+              </a:path>
+              <a:path w="792479" h="353695">
+                <a:moveTo>
+                  <a:pt x="754379" y="38100"/>
+                </a:moveTo>
+                <a:lnTo>
+                  <a:pt x="38100" y="38100"/>
+                </a:lnTo>
+                <a:lnTo>
+                  <a:pt x="38100" y="19812"/>
+                </a:lnTo>
+                <a:lnTo>
+                  <a:pt x="754379" y="19812"/>
+                </a:lnTo>
+                <a:lnTo>
+                  <a:pt x="754379" y="38100"/>
+                </a:lnTo>
+                <a:close/>
+              </a:path>
+              <a:path w="792479" h="353695">
+                <a:moveTo>
+                  <a:pt x="754379" y="333756"/>
+                </a:moveTo>
+                <a:lnTo>
+                  <a:pt x="754379" y="19812"/>
+                </a:lnTo>
+                <a:lnTo>
+                  <a:pt x="772668" y="38100"/>
+                </a:lnTo>
+                <a:lnTo>
+                  <a:pt x="792479" y="38100"/>
+                </a:lnTo>
+                <a:lnTo>
+                  <a:pt x="792479" y="315467"/>
+                </a:lnTo>
+                <a:lnTo>
+                  <a:pt x="772668" y="315467"/>
+                </a:lnTo>
+                <a:lnTo>
+                  <a:pt x="754379" y="333756"/>
+                </a:lnTo>
+                <a:close/>
+              </a:path>
+              <a:path w="792479" h="353695">
+                <a:moveTo>
+                  <a:pt x="792479" y="38100"/>
+                </a:moveTo>
+                <a:lnTo>
+                  <a:pt x="772668" y="38100"/>
+                </a:lnTo>
+                <a:lnTo>
+                  <a:pt x="754379" y="19812"/>
+                </a:lnTo>
+                <a:lnTo>
+                  <a:pt x="792479" y="19812"/>
+                </a:lnTo>
+                <a:lnTo>
+                  <a:pt x="792479" y="38100"/>
+                </a:lnTo>
+                <a:close/>
+              </a:path>
+              <a:path w="792479" h="353695">
+                <a:moveTo>
+                  <a:pt x="38100" y="333756"/>
+                </a:moveTo>
+                <a:lnTo>
+                  <a:pt x="19812" y="315467"/>
+                </a:lnTo>
+                <a:lnTo>
+                  <a:pt x="38100" y="315467"/>
+                </a:lnTo>
+                <a:lnTo>
+                  <a:pt x="38100" y="333756"/>
+                </a:lnTo>
+                <a:close/>
+              </a:path>
+              <a:path w="792479" h="353695">
+                <a:moveTo>
+                  <a:pt x="754379" y="333756"/>
+                </a:moveTo>
+                <a:lnTo>
+                  <a:pt x="38100" y="333756"/>
+                </a:lnTo>
+                <a:lnTo>
+                  <a:pt x="38100" y="315467"/>
+                </a:lnTo>
+                <a:lnTo>
+                  <a:pt x="754379" y="315467"/>
+                </a:lnTo>
+                <a:lnTo>
+                  <a:pt x="754379" y="333756"/>
+                </a:lnTo>
+                <a:close/>
+              </a:path>
+              <a:path w="792479" h="353695">
+                <a:moveTo>
+                  <a:pt x="792479" y="333756"/>
+                </a:moveTo>
+                <a:lnTo>
+                  <a:pt x="754379" y="333756"/>
+                </a:lnTo>
+                <a:lnTo>
+                  <a:pt x="772668" y="315467"/>
+                </a:lnTo>
+                <a:lnTo>
+                  <a:pt x="792479" y="315467"/>
+                </a:lnTo>
+                <a:lnTo>
+                  <a:pt x="792479" y="333756"/>
+                </a:lnTo>
+                <a:close/>
+              </a:path>
+            </a:pathLst>
+          </a:custGeom>
+          <a:solidFill>
+            <a:srgbClr val="FF0000"/>
+          </a:solidFill>
+        </p:spPr>
+        <p:txBody>
+          <a:bodyPr wrap="square" lIns="0" tIns="0" rIns="0" bIns="0" rtlCol="0"/>
+          <a:lstStyle/>
+          <a:p>
+            <a:endParaRPr/>
+          </a:p>
+        </p:txBody>
+      </p:sp>
+    </p:spTree>
+    <p:extLst>
+      <p:ext uri="{BB962C8B-B14F-4D97-AF65-F5344CB8AC3E}">
+        <p14:creationId xmlns:p14="http://schemas.microsoft.com/office/powerpoint/2010/main" val="2882705012"/>
+      </p:ext>
+    </p:extLst>
+  </p:cSld>
+  <p:clrMapOvr>
+    <a:masterClrMapping/>
+  </p:clrMapOvr>
+  <p:timing>
+    <p:tnLst>
+      <p:par>
+        <p:cTn id="1" dur="indefinite" restart="never" nodeType="tmRoot"/>
+      </p:par>
+    </p:tnLst>
+  </p:timing>
+</p:sld>
+</file>
+
+<file path=ppt/slides/slide30.xml><?xml version="1.0" encoding="utf-8"?>
 <p:sld xmlns:a="http://schemas.openxmlformats.org/drawingml/2006/main" xmlns:r="http://schemas.openxmlformats.org/officeDocument/2006/relationships" xmlns:p="http://schemas.openxmlformats.org/presentationml/2006/main">
   <p:cSld>
     <p:spTree>
@@ -10129,7 +12176,7 @@
 </p:sld>
 </file>
 
-<file path=ppt/slides/slide28.xml><?xml version="1.0" encoding="utf-8"?>
+<file path=ppt/slides/slide31.xml><?xml version="1.0" encoding="utf-8"?>
 <p:sld xmlns:a="http://schemas.openxmlformats.org/drawingml/2006/main" xmlns:r="http://schemas.openxmlformats.org/officeDocument/2006/relationships" xmlns:p="http://schemas.openxmlformats.org/presentationml/2006/main">
   <p:cSld>
     <p:spTree>
@@ -10278,7 +12325,7 @@
 </p:sld>
 </file>
 
-<file path=ppt/slides/slide29.xml><?xml version="1.0" encoding="utf-8"?>
+<file path=ppt/slides/slide32.xml><?xml version="1.0" encoding="utf-8"?>
 <p:sld xmlns:a="http://schemas.openxmlformats.org/drawingml/2006/main" xmlns:r="http://schemas.openxmlformats.org/officeDocument/2006/relationships" xmlns:p="http://schemas.openxmlformats.org/presentationml/2006/main">
   <p:cSld>
     <p:spTree>
@@ -10379,804 +12426,6 @@
     <p:extLst>
       <p:ext uri="{BB962C8B-B14F-4D97-AF65-F5344CB8AC3E}">
         <p14:creationId xmlns:p14="http://schemas.microsoft.com/office/powerpoint/2010/main" val="2899957973"/>
-      </p:ext>
-    </p:extLst>
-  </p:cSld>
-  <p:clrMapOvr>
-    <a:masterClrMapping/>
-  </p:clrMapOvr>
-  <p:timing>
-    <p:tnLst>
-      <p:par>
-        <p:cTn id="1" dur="indefinite" restart="never" nodeType="tmRoot"/>
-      </p:par>
-    </p:tnLst>
-  </p:timing>
-</p:sld>
-</file>
-
-<file path=ppt/slides/slide3.xml><?xml version="1.0" encoding="utf-8"?>
-<p:sld xmlns:a="http://schemas.openxmlformats.org/drawingml/2006/main" xmlns:r="http://schemas.openxmlformats.org/officeDocument/2006/relationships" xmlns:p="http://schemas.openxmlformats.org/presentationml/2006/main">
-  <p:cSld>
-    <p:spTree>
-      <p:nvGrpSpPr>
-        <p:cNvPr id="1" name=""/>
-        <p:cNvGrpSpPr/>
-        <p:nvPr/>
-      </p:nvGrpSpPr>
-      <p:grpSpPr>
-        <a:xfrm>
-          <a:off x="0" y="0"/>
-          <a:ext cx="0" cy="0"/>
-          <a:chOff x="0" y="0"/>
-          <a:chExt cx="0" cy="0"/>
-        </a:xfrm>
-      </p:grpSpPr>
-      <p:sp>
-        <p:nvSpPr>
-          <p:cNvPr id="2" name="제목 1">
-            <a:extLst>
-              <a:ext uri="{FF2B5EF4-FFF2-40B4-BE49-F238E27FC236}">
-                <a16:creationId xmlns:a16="http://schemas.microsoft.com/office/drawing/2014/main" id="{D728271C-9F25-0041-94CA-06A8AB848977}"/>
-              </a:ext>
-            </a:extLst>
-          </p:cNvPr>
-          <p:cNvSpPr>
-            <a:spLocks noGrp="1"/>
-          </p:cNvSpPr>
-          <p:nvPr>
-            <p:ph type="title"/>
-          </p:nvPr>
-        </p:nvSpPr>
-        <p:spPr>
-          <a:xfrm>
-            <a:off x="136236" y="111415"/>
-            <a:ext cx="11289146" cy="839930"/>
-          </a:xfrm>
-        </p:spPr>
-        <p:txBody>
-          <a:bodyPr>
-            <a:normAutofit/>
-          </a:bodyPr>
-          <a:lstStyle/>
-          <a:p>
-            <a:r>
-              <a:rPr kumimoji="1" lang="ko-KR" altLang="en-US" dirty="0" err="1" smtClean="0"/>
-              <a:t>원격저장소</a:t>
-            </a:r>
-            <a:r>
-              <a:rPr kumimoji="1" lang="en-US" altLang="ko-KR" dirty="0" smtClean="0"/>
-              <a:t>(GitHub)</a:t>
-            </a:r>
-            <a:r>
-              <a:rPr kumimoji="1" lang="ko-KR" altLang="en-US" dirty="0" smtClean="0"/>
-              <a:t> </a:t>
-            </a:r>
-            <a:r>
-              <a:rPr kumimoji="1" lang="en-US" altLang="ko-KR" dirty="0" smtClean="0"/>
-              <a:t>Repository </a:t>
-            </a:r>
-            <a:r>
-              <a:rPr kumimoji="1" lang="ko-KR" altLang="en-US" dirty="0" smtClean="0"/>
-              <a:t>생성</a:t>
-            </a:r>
-            <a:endParaRPr kumimoji="1" lang="ko-KR" altLang="en-US" dirty="0"/>
-          </a:p>
-        </p:txBody>
-      </p:sp>
-      <p:sp>
-        <p:nvSpPr>
-          <p:cNvPr id="4" name="직사각형 3"/>
-          <p:cNvSpPr/>
-          <p:nvPr/>
-        </p:nvSpPr>
-        <p:spPr>
-          <a:xfrm>
-            <a:off x="639192" y="1040872"/>
-            <a:ext cx="10556034" cy="2323713"/>
-          </a:xfrm>
-          <a:prstGeom prst="rect">
-            <a:avLst/>
-          </a:prstGeom>
-        </p:spPr>
-        <p:txBody>
-          <a:bodyPr wrap="square">
-            <a:spAutoFit/>
-          </a:bodyPr>
-          <a:lstStyle/>
-          <a:p>
-            <a:pPr marL="469900" indent="-457200">
-              <a:lnSpc>
-                <a:spcPct val="100000"/>
-              </a:lnSpc>
-              <a:spcBef>
-                <a:spcPts val="1105"/>
-              </a:spcBef>
-              <a:buClr>
-                <a:schemeClr val="tx1"/>
-              </a:buClr>
-              <a:buFont typeface="+mj-lt"/>
-              <a:buAutoNum type="arabicPeriod"/>
-              <a:tabLst>
-                <a:tab pos="241300" algn="l"/>
-              </a:tabLst>
-            </a:pPr>
-            <a:r>
-              <a:rPr lang="en-US" altLang="ko-KR" sz="2400" u="heavy" kern="0" dirty="0">
-                <a:solidFill>
-                  <a:srgbClr val="0562C1"/>
-                </a:solidFill>
-                <a:uFill>
-                  <a:solidFill>
-                    <a:srgbClr val="0562C1"/>
-                  </a:solidFill>
-                </a:uFill>
-                <a:latin typeface="+mj-lt"/>
-                <a:cs typeface="나눔스퀘어OTF Light"/>
-                <a:hlinkClick r:id="rId2"/>
-              </a:rPr>
-              <a:t>https://github.com</a:t>
-            </a:r>
-            <a:r>
-              <a:rPr lang="en-US" altLang="ko-KR" sz="2400" u="heavy" kern="0" dirty="0" smtClean="0">
-                <a:solidFill>
-                  <a:srgbClr val="0562C1"/>
-                </a:solidFill>
-                <a:uFill>
-                  <a:solidFill>
-                    <a:srgbClr val="0562C1"/>
-                  </a:solidFill>
-                </a:uFill>
-                <a:latin typeface="+mj-lt"/>
-                <a:cs typeface="나눔스퀘어OTF Light"/>
-                <a:hlinkClick r:id="rId2"/>
-              </a:rPr>
-              <a:t>/</a:t>
-            </a:r>
-            <a:r>
-              <a:rPr lang="en-US" altLang="ko-KR" sz="2400" kern="0" dirty="0" smtClean="0">
-                <a:uFill>
-                  <a:solidFill>
-                    <a:srgbClr val="0562C1"/>
-                  </a:solidFill>
-                </a:uFill>
-                <a:latin typeface="+mj-lt"/>
-                <a:cs typeface="나눔스퀘어OTF Light"/>
-              </a:rPr>
-              <a:t> </a:t>
-            </a:r>
-            <a:r>
-              <a:rPr lang="ko-KR" altLang="en-US" sz="2400" kern="0" dirty="0" smtClean="0">
-                <a:uFill>
-                  <a:solidFill>
-                    <a:srgbClr val="0562C1"/>
-                  </a:solidFill>
-                </a:uFill>
-                <a:latin typeface="+mj-lt"/>
-                <a:cs typeface="나눔스퀘어OTF Light"/>
-              </a:rPr>
-              <a:t>에 접속하기</a:t>
-            </a:r>
-            <a:endParaRPr lang="en-US" altLang="ko-KR" sz="2400" kern="0" dirty="0">
-              <a:latin typeface="+mj-lt"/>
-              <a:cs typeface="나눔스퀘어OTF Light"/>
-            </a:endParaRPr>
-          </a:p>
-          <a:p>
-            <a:pPr marL="469900" indent="-457200">
-              <a:lnSpc>
-                <a:spcPct val="100000"/>
-              </a:lnSpc>
-              <a:spcBef>
-                <a:spcPts val="1010"/>
-              </a:spcBef>
-              <a:buFont typeface="+mj-lt"/>
-              <a:buAutoNum type="arabicPeriod"/>
-              <a:tabLst>
-                <a:tab pos="241300" algn="l"/>
-              </a:tabLst>
-            </a:pPr>
-            <a:r>
-              <a:rPr lang="ko-KR" altLang="en-US" sz="2400" kern="0" dirty="0" smtClean="0">
-                <a:latin typeface="+mj-lt"/>
-                <a:cs typeface="나눔스퀘어OTF Light"/>
-              </a:rPr>
-              <a:t>계정 만들고</a:t>
-            </a:r>
-            <a:r>
-              <a:rPr lang="en-US" altLang="ko-KR" sz="2400" kern="0" dirty="0" smtClean="0">
-                <a:latin typeface="+mj-lt"/>
-                <a:cs typeface="나눔스퀘어OTF Light"/>
-              </a:rPr>
-              <a:t>(</a:t>
-            </a:r>
-            <a:r>
-              <a:rPr lang="en-US" altLang="ko-KR" sz="2400" kern="0" dirty="0">
-                <a:latin typeface="+mj-lt"/>
-                <a:cs typeface="나눔스퀘어OTF Light"/>
-              </a:rPr>
-              <a:t>Sign up) </a:t>
-            </a:r>
-            <a:r>
-              <a:rPr lang="ko-KR" altLang="en-US" sz="2400" kern="0" dirty="0">
-                <a:latin typeface="+mj-lt"/>
-                <a:cs typeface="나눔스퀘어OTF Light"/>
-              </a:rPr>
-              <a:t>로그인하기</a:t>
-            </a:r>
-            <a:r>
-              <a:rPr lang="en-US" altLang="ko-KR" sz="2400" kern="0" dirty="0">
-                <a:latin typeface="+mj-lt"/>
-                <a:cs typeface="나눔스퀘어OTF Light"/>
-              </a:rPr>
-              <a:t>(Sign in</a:t>
-            </a:r>
-            <a:r>
-              <a:rPr lang="en-US" altLang="ko-KR" sz="2400" kern="0" dirty="0" smtClean="0">
-                <a:latin typeface="+mj-lt"/>
-                <a:cs typeface="나눔스퀘어OTF Light"/>
-              </a:rPr>
-              <a:t>)</a:t>
-            </a:r>
-          </a:p>
-          <a:p>
-            <a:pPr marL="469900" indent="-457200">
-              <a:lnSpc>
-                <a:spcPct val="100000"/>
-              </a:lnSpc>
-              <a:spcBef>
-                <a:spcPts val="1010"/>
-              </a:spcBef>
-              <a:buFont typeface="+mj-lt"/>
-              <a:buAutoNum type="arabicPeriod"/>
-              <a:tabLst>
-                <a:tab pos="241300" algn="l"/>
-              </a:tabLst>
-            </a:pPr>
-            <a:r>
-              <a:rPr lang="ko-KR" altLang="en-US" sz="2400" kern="0" dirty="0" smtClean="0">
-                <a:latin typeface="+mj-lt"/>
-                <a:cs typeface="나눔스퀘어OTF Light"/>
-              </a:rPr>
-              <a:t>저장소 생성하기 </a:t>
-            </a:r>
-            <a:r>
-              <a:rPr lang="en-US" altLang="ko-KR" sz="2400" kern="0" dirty="0" smtClean="0">
-                <a:latin typeface="+mj-lt"/>
-                <a:cs typeface="나눔스퀘어OTF Light"/>
-              </a:rPr>
-              <a:t>(repository name : test)</a:t>
-            </a:r>
-          </a:p>
-          <a:p>
-            <a:pPr marL="755650" lvl="1" indent="-285750">
-              <a:spcBef>
-                <a:spcPts val="1010"/>
-              </a:spcBef>
-              <a:buFont typeface="Wingdings" panose="05000000000000000000" pitchFamily="2" charset="2"/>
-              <a:buChar char="§"/>
-              <a:tabLst>
-                <a:tab pos="241300" algn="l"/>
-              </a:tabLst>
-            </a:pPr>
-            <a:r>
-              <a:rPr lang="ko-KR" altLang="en-US" sz="2400" kern="0" dirty="0" smtClean="0">
-                <a:latin typeface="+mj-lt"/>
-                <a:cs typeface="나눔스퀘어OTF Light"/>
-              </a:rPr>
-              <a:t>상단의 </a:t>
-            </a:r>
-            <a:r>
-              <a:rPr lang="en-US" altLang="ko-KR" sz="2400" kern="0" dirty="0">
-                <a:latin typeface="+mj-lt"/>
-                <a:cs typeface="나눔스퀘어OTF Light"/>
-              </a:rPr>
-              <a:t>+</a:t>
-            </a:r>
-            <a:r>
-              <a:rPr lang="ko-KR" altLang="en-US" sz="2400" kern="0" dirty="0">
-                <a:latin typeface="+mj-lt"/>
-                <a:cs typeface="나눔스퀘어OTF Light"/>
-              </a:rPr>
-              <a:t>를 누르고 </a:t>
-            </a:r>
-            <a:r>
-              <a:rPr lang="en-US" altLang="ko-KR" sz="2400" kern="0" dirty="0">
-                <a:latin typeface="+mj-lt"/>
-                <a:cs typeface="나눔스퀘어OTF Light"/>
-              </a:rPr>
-              <a:t>New repository</a:t>
-            </a:r>
-            <a:r>
-              <a:rPr lang="ko-KR" altLang="en-US" sz="2400" kern="0" dirty="0">
-                <a:latin typeface="+mj-lt"/>
-                <a:cs typeface="나눔스퀘어OTF Light"/>
-              </a:rPr>
-              <a:t>를 누르거나  </a:t>
-            </a:r>
-            <a:r>
-              <a:rPr lang="en-US" altLang="ko-KR" sz="2400" kern="0" dirty="0">
-                <a:latin typeface="+mj-lt"/>
-                <a:cs typeface="나눔스퀘어OTF Light"/>
-              </a:rPr>
-              <a:t>Your repository</a:t>
-            </a:r>
-            <a:r>
-              <a:rPr lang="ko-KR" altLang="en-US" sz="2400" kern="0" dirty="0">
-                <a:latin typeface="+mj-lt"/>
-                <a:cs typeface="나눔스퀘어OTF Light"/>
-              </a:rPr>
-              <a:t>의 </a:t>
-            </a:r>
-            <a:r>
-              <a:rPr lang="en-US" altLang="ko-KR" sz="2400" kern="0" dirty="0">
-                <a:latin typeface="+mj-lt"/>
-                <a:cs typeface="나눔스퀘어OTF Light"/>
-              </a:rPr>
-              <a:t>New </a:t>
-            </a:r>
-            <a:r>
-              <a:rPr lang="en-US" altLang="ko-KR" sz="2400" kern="0" dirty="0" smtClean="0">
-                <a:latin typeface="+mj-lt"/>
-                <a:cs typeface="나눔스퀘어OTF Light"/>
-              </a:rPr>
-              <a:t>repository </a:t>
-            </a:r>
-            <a:r>
-              <a:rPr lang="ko-KR" altLang="en-US" sz="2400" kern="0" dirty="0" smtClean="0">
-                <a:latin typeface="+mj-lt"/>
-                <a:cs typeface="나눔스퀘어OTF Light"/>
-              </a:rPr>
-              <a:t>클릭</a:t>
-            </a:r>
-            <a:endParaRPr lang="en-US" altLang="ko-KR" sz="2400" kern="0" dirty="0">
-              <a:latin typeface="+mj-lt"/>
-              <a:cs typeface="나눔스퀘어OTF Light"/>
-            </a:endParaRPr>
-          </a:p>
-        </p:txBody>
-      </p:sp>
-      <p:sp>
-        <p:nvSpPr>
-          <p:cNvPr id="9" name="object 4"/>
-          <p:cNvSpPr/>
-          <p:nvPr/>
-        </p:nvSpPr>
-        <p:spPr>
-          <a:xfrm>
-            <a:off x="2698595" y="3344773"/>
-            <a:ext cx="6438896" cy="3404205"/>
-          </a:xfrm>
-          <a:prstGeom prst="rect">
-            <a:avLst/>
-          </a:prstGeom>
-          <a:blipFill>
-            <a:blip r:embed="rId3" cstate="print"/>
-            <a:stretch>
-              <a:fillRect/>
-            </a:stretch>
-          </a:blipFill>
-          <a:ln>
-            <a:solidFill>
-              <a:schemeClr val="tx1">
-                <a:lumMod val="75000"/>
-                <a:lumOff val="25000"/>
-              </a:schemeClr>
-            </a:solidFill>
-          </a:ln>
-        </p:spPr>
-        <p:txBody>
-          <a:bodyPr wrap="square" lIns="0" tIns="0" rIns="0" bIns="0" rtlCol="0"/>
-          <a:lstStyle/>
-          <a:p>
-            <a:endParaRPr/>
-          </a:p>
-        </p:txBody>
-      </p:sp>
-      <p:sp>
-        <p:nvSpPr>
-          <p:cNvPr id="10" name="object 5"/>
-          <p:cNvSpPr/>
-          <p:nvPr/>
-        </p:nvSpPr>
-        <p:spPr>
-          <a:xfrm>
-            <a:off x="7503764" y="3601843"/>
-            <a:ext cx="1199515" cy="314429"/>
-          </a:xfrm>
-          <a:custGeom>
-            <a:avLst/>
-            <a:gdLst/>
-            <a:ahLst/>
-            <a:cxnLst/>
-            <a:rect l="l" t="t" r="r" b="b"/>
-            <a:pathLst>
-              <a:path w="1199515" h="571500">
-                <a:moveTo>
-                  <a:pt x="1199388" y="571500"/>
-                </a:moveTo>
-                <a:lnTo>
-                  <a:pt x="0" y="571500"/>
-                </a:lnTo>
-                <a:lnTo>
-                  <a:pt x="0" y="0"/>
-                </a:lnTo>
-                <a:lnTo>
-                  <a:pt x="1199388" y="0"/>
-                </a:lnTo>
-                <a:lnTo>
-                  <a:pt x="1199388" y="19812"/>
-                </a:lnTo>
-                <a:lnTo>
-                  <a:pt x="38100" y="19812"/>
-                </a:lnTo>
-                <a:lnTo>
-                  <a:pt x="18288" y="38100"/>
-                </a:lnTo>
-                <a:lnTo>
-                  <a:pt x="38100" y="38100"/>
-                </a:lnTo>
-                <a:lnTo>
-                  <a:pt x="38100" y="533400"/>
-                </a:lnTo>
-                <a:lnTo>
-                  <a:pt x="18288" y="533400"/>
-                </a:lnTo>
-                <a:lnTo>
-                  <a:pt x="38100" y="551687"/>
-                </a:lnTo>
-                <a:lnTo>
-                  <a:pt x="1199388" y="551687"/>
-                </a:lnTo>
-                <a:lnTo>
-                  <a:pt x="1199388" y="571500"/>
-                </a:lnTo>
-                <a:close/>
-              </a:path>
-              <a:path w="1199515" h="571500">
-                <a:moveTo>
-                  <a:pt x="38100" y="38100"/>
-                </a:moveTo>
-                <a:lnTo>
-                  <a:pt x="18288" y="38100"/>
-                </a:lnTo>
-                <a:lnTo>
-                  <a:pt x="38100" y="19812"/>
-                </a:lnTo>
-                <a:lnTo>
-                  <a:pt x="38100" y="38100"/>
-                </a:lnTo>
-                <a:close/>
-              </a:path>
-              <a:path w="1199515" h="571500">
-                <a:moveTo>
-                  <a:pt x="1161288" y="38100"/>
-                </a:moveTo>
-                <a:lnTo>
-                  <a:pt x="38100" y="38100"/>
-                </a:lnTo>
-                <a:lnTo>
-                  <a:pt x="38100" y="19812"/>
-                </a:lnTo>
-                <a:lnTo>
-                  <a:pt x="1161288" y="19812"/>
-                </a:lnTo>
-                <a:lnTo>
-                  <a:pt x="1161288" y="38100"/>
-                </a:lnTo>
-                <a:close/>
-              </a:path>
-              <a:path w="1199515" h="571500">
-                <a:moveTo>
-                  <a:pt x="1161288" y="551687"/>
-                </a:moveTo>
-                <a:lnTo>
-                  <a:pt x="1161288" y="19812"/>
-                </a:lnTo>
-                <a:lnTo>
-                  <a:pt x="1181100" y="38100"/>
-                </a:lnTo>
-                <a:lnTo>
-                  <a:pt x="1199388" y="38100"/>
-                </a:lnTo>
-                <a:lnTo>
-                  <a:pt x="1199388" y="533400"/>
-                </a:lnTo>
-                <a:lnTo>
-                  <a:pt x="1181100" y="533400"/>
-                </a:lnTo>
-                <a:lnTo>
-                  <a:pt x="1161288" y="551687"/>
-                </a:lnTo>
-                <a:close/>
-              </a:path>
-              <a:path w="1199515" h="571500">
-                <a:moveTo>
-                  <a:pt x="1199388" y="38100"/>
-                </a:moveTo>
-                <a:lnTo>
-                  <a:pt x="1181100" y="38100"/>
-                </a:lnTo>
-                <a:lnTo>
-                  <a:pt x="1161288" y="19812"/>
-                </a:lnTo>
-                <a:lnTo>
-                  <a:pt x="1199388" y="19812"/>
-                </a:lnTo>
-                <a:lnTo>
-                  <a:pt x="1199388" y="38100"/>
-                </a:lnTo>
-                <a:close/>
-              </a:path>
-              <a:path w="1199515" h="571500">
-                <a:moveTo>
-                  <a:pt x="38100" y="551687"/>
-                </a:moveTo>
-                <a:lnTo>
-                  <a:pt x="18288" y="533400"/>
-                </a:lnTo>
-                <a:lnTo>
-                  <a:pt x="38100" y="533400"/>
-                </a:lnTo>
-                <a:lnTo>
-                  <a:pt x="38100" y="551687"/>
-                </a:lnTo>
-                <a:close/>
-              </a:path>
-              <a:path w="1199515" h="571500">
-                <a:moveTo>
-                  <a:pt x="1161288" y="551687"/>
-                </a:moveTo>
-                <a:lnTo>
-                  <a:pt x="38100" y="551687"/>
-                </a:lnTo>
-                <a:lnTo>
-                  <a:pt x="38100" y="533400"/>
-                </a:lnTo>
-                <a:lnTo>
-                  <a:pt x="1161288" y="533400"/>
-                </a:lnTo>
-                <a:lnTo>
-                  <a:pt x="1161288" y="551687"/>
-                </a:lnTo>
-                <a:close/>
-              </a:path>
-              <a:path w="1199515" h="571500">
-                <a:moveTo>
-                  <a:pt x="1199388" y="551687"/>
-                </a:moveTo>
-                <a:lnTo>
-                  <a:pt x="1161288" y="551687"/>
-                </a:lnTo>
-                <a:lnTo>
-                  <a:pt x="1181100" y="533400"/>
-                </a:lnTo>
-                <a:lnTo>
-                  <a:pt x="1199388" y="533400"/>
-                </a:lnTo>
-                <a:lnTo>
-                  <a:pt x="1199388" y="551687"/>
-                </a:lnTo>
-                <a:close/>
-              </a:path>
-            </a:pathLst>
-          </a:custGeom>
-          <a:solidFill>
-            <a:srgbClr val="FF0000"/>
-          </a:solidFill>
-        </p:spPr>
-        <p:txBody>
-          <a:bodyPr wrap="square" lIns="0" tIns="0" rIns="0" bIns="0" rtlCol="0"/>
-          <a:lstStyle/>
-          <a:p>
-            <a:endParaRPr/>
-          </a:p>
-        </p:txBody>
-      </p:sp>
-      <p:sp>
-        <p:nvSpPr>
-          <p:cNvPr id="11" name="object 6"/>
-          <p:cNvSpPr/>
-          <p:nvPr/>
-        </p:nvSpPr>
-        <p:spPr>
-          <a:xfrm>
-            <a:off x="8190531" y="5056041"/>
-            <a:ext cx="792480" cy="353695"/>
-          </a:xfrm>
-          <a:custGeom>
-            <a:avLst/>
-            <a:gdLst/>
-            <a:ahLst/>
-            <a:cxnLst/>
-            <a:rect l="l" t="t" r="r" b="b"/>
-            <a:pathLst>
-              <a:path w="792479" h="353695">
-                <a:moveTo>
-                  <a:pt x="792479" y="353568"/>
-                </a:moveTo>
-                <a:lnTo>
-                  <a:pt x="0" y="353568"/>
-                </a:lnTo>
-                <a:lnTo>
-                  <a:pt x="0" y="0"/>
-                </a:lnTo>
-                <a:lnTo>
-                  <a:pt x="792479" y="0"/>
-                </a:lnTo>
-                <a:lnTo>
-                  <a:pt x="792479" y="19812"/>
-                </a:lnTo>
-                <a:lnTo>
-                  <a:pt x="38100" y="19812"/>
-                </a:lnTo>
-                <a:lnTo>
-                  <a:pt x="19812" y="38100"/>
-                </a:lnTo>
-                <a:lnTo>
-                  <a:pt x="38100" y="38100"/>
-                </a:lnTo>
-                <a:lnTo>
-                  <a:pt x="38100" y="315467"/>
-                </a:lnTo>
-                <a:lnTo>
-                  <a:pt x="19812" y="315467"/>
-                </a:lnTo>
-                <a:lnTo>
-                  <a:pt x="38100" y="333756"/>
-                </a:lnTo>
-                <a:lnTo>
-                  <a:pt x="792479" y="333756"/>
-                </a:lnTo>
-                <a:lnTo>
-                  <a:pt x="792479" y="353568"/>
-                </a:lnTo>
-                <a:close/>
-              </a:path>
-              <a:path w="792479" h="353695">
-                <a:moveTo>
-                  <a:pt x="38100" y="38100"/>
-                </a:moveTo>
-                <a:lnTo>
-                  <a:pt x="19812" y="38100"/>
-                </a:lnTo>
-                <a:lnTo>
-                  <a:pt x="38100" y="19812"/>
-                </a:lnTo>
-                <a:lnTo>
-                  <a:pt x="38100" y="38100"/>
-                </a:lnTo>
-                <a:close/>
-              </a:path>
-              <a:path w="792479" h="353695">
-                <a:moveTo>
-                  <a:pt x="754379" y="38100"/>
-                </a:moveTo>
-                <a:lnTo>
-                  <a:pt x="38100" y="38100"/>
-                </a:lnTo>
-                <a:lnTo>
-                  <a:pt x="38100" y="19812"/>
-                </a:lnTo>
-                <a:lnTo>
-                  <a:pt x="754379" y="19812"/>
-                </a:lnTo>
-                <a:lnTo>
-                  <a:pt x="754379" y="38100"/>
-                </a:lnTo>
-                <a:close/>
-              </a:path>
-              <a:path w="792479" h="353695">
-                <a:moveTo>
-                  <a:pt x="754379" y="333756"/>
-                </a:moveTo>
-                <a:lnTo>
-                  <a:pt x="754379" y="19812"/>
-                </a:lnTo>
-                <a:lnTo>
-                  <a:pt x="772668" y="38100"/>
-                </a:lnTo>
-                <a:lnTo>
-                  <a:pt x="792479" y="38100"/>
-                </a:lnTo>
-                <a:lnTo>
-                  <a:pt x="792479" y="315467"/>
-                </a:lnTo>
-                <a:lnTo>
-                  <a:pt x="772668" y="315467"/>
-                </a:lnTo>
-                <a:lnTo>
-                  <a:pt x="754379" y="333756"/>
-                </a:lnTo>
-                <a:close/>
-              </a:path>
-              <a:path w="792479" h="353695">
-                <a:moveTo>
-                  <a:pt x="792479" y="38100"/>
-                </a:moveTo>
-                <a:lnTo>
-                  <a:pt x="772668" y="38100"/>
-                </a:lnTo>
-                <a:lnTo>
-                  <a:pt x="754379" y="19812"/>
-                </a:lnTo>
-                <a:lnTo>
-                  <a:pt x="792479" y="19812"/>
-                </a:lnTo>
-                <a:lnTo>
-                  <a:pt x="792479" y="38100"/>
-                </a:lnTo>
-                <a:close/>
-              </a:path>
-              <a:path w="792479" h="353695">
-                <a:moveTo>
-                  <a:pt x="38100" y="333756"/>
-                </a:moveTo>
-                <a:lnTo>
-                  <a:pt x="19812" y="315467"/>
-                </a:lnTo>
-                <a:lnTo>
-                  <a:pt x="38100" y="315467"/>
-                </a:lnTo>
-                <a:lnTo>
-                  <a:pt x="38100" y="333756"/>
-                </a:lnTo>
-                <a:close/>
-              </a:path>
-              <a:path w="792479" h="353695">
-                <a:moveTo>
-                  <a:pt x="754379" y="333756"/>
-                </a:moveTo>
-                <a:lnTo>
-                  <a:pt x="38100" y="333756"/>
-                </a:lnTo>
-                <a:lnTo>
-                  <a:pt x="38100" y="315467"/>
-                </a:lnTo>
-                <a:lnTo>
-                  <a:pt x="754379" y="315467"/>
-                </a:lnTo>
-                <a:lnTo>
-                  <a:pt x="754379" y="333756"/>
-                </a:lnTo>
-                <a:close/>
-              </a:path>
-              <a:path w="792479" h="353695">
-                <a:moveTo>
-                  <a:pt x="792479" y="333756"/>
-                </a:moveTo>
-                <a:lnTo>
-                  <a:pt x="754379" y="333756"/>
-                </a:lnTo>
-                <a:lnTo>
-                  <a:pt x="772668" y="315467"/>
-                </a:lnTo>
-                <a:lnTo>
-                  <a:pt x="792479" y="315467"/>
-                </a:lnTo>
-                <a:lnTo>
-                  <a:pt x="792479" y="333756"/>
-                </a:lnTo>
-                <a:close/>
-              </a:path>
-            </a:pathLst>
-          </a:custGeom>
-          <a:solidFill>
-            <a:srgbClr val="FF0000"/>
-          </a:solidFill>
-        </p:spPr>
-        <p:txBody>
-          <a:bodyPr wrap="square" lIns="0" tIns="0" rIns="0" bIns="0" rtlCol="0"/>
-          <a:lstStyle/>
-          <a:p>
-            <a:endParaRPr/>
-          </a:p>
-        </p:txBody>
-      </p:sp>
-    </p:spTree>
-    <p:extLst>
-      <p:ext uri="{BB962C8B-B14F-4D97-AF65-F5344CB8AC3E}">
-        <p14:creationId xmlns:p14="http://schemas.microsoft.com/office/powerpoint/2010/main" val="2882705012"/>
       </p:ext>
     </p:extLst>
   </p:cSld>
@@ -15605,6 +16854,36 @@
           <a:chExt cx="0" cy="0"/>
         </a:xfrm>
       </p:grpSpPr>
+      <p:pic>
+        <p:nvPicPr>
+          <p:cNvPr id="9" name="그림 8"/>
+          <p:cNvPicPr>
+            <a:picLocks noChangeAspect="1"/>
+          </p:cNvPicPr>
+          <p:nvPr/>
+        </p:nvPicPr>
+        <p:blipFill>
+          <a:blip r:embed="rId2">
+            <a:extLst>
+              <a:ext uri="{28A0092B-C50C-407E-A947-70E740481C1C}">
+                <a14:useLocalDpi xmlns:a14="http://schemas.microsoft.com/office/drawing/2010/main" val="0"/>
+              </a:ext>
+            </a:extLst>
+          </a:blip>
+          <a:stretch>
+            <a:fillRect/>
+          </a:stretch>
+        </p:blipFill>
+        <p:spPr>
+          <a:xfrm>
+            <a:off x="1343720" y="2112377"/>
+            <a:ext cx="9236929" cy="4618465"/>
+          </a:xfrm>
+          <a:prstGeom prst="rect">
+            <a:avLst/>
+          </a:prstGeom>
+        </p:spPr>
+      </p:pic>
       <p:sp>
         <p:nvSpPr>
           <p:cNvPr id="2" name="제목 1">
@@ -15691,13 +16970,13 @@
             </a:r>
             <a:r>
               <a:rPr lang="en-US" altLang="ko-KR" dirty="0">
-                <a:hlinkClick r:id="rId2"/>
+                <a:hlinkClick r:id="rId3"/>
               </a:rPr>
               <a:t>https://</a:t>
             </a:r>
             <a:r>
               <a:rPr lang="en-US" altLang="ko-KR" dirty="0" smtClean="0">
-                <a:hlinkClick r:id="rId2"/>
+                <a:hlinkClick r:id="rId3"/>
               </a:rPr>
               <a:t>github.com/jinsook64/gitHubTest.git</a:t>
             </a:r>
@@ -15716,111 +16995,14 @@
             <a:pPr marL="0" indent="0">
               <a:buNone/>
             </a:pPr>
-            <a:endParaRPr lang="en-US" altLang="ko-KR" dirty="0"/>
-          </a:p>
-          <a:p>
-            <a:r>
-              <a:rPr lang="en-US" altLang="ko-KR" dirty="0"/>
-              <a:t> clone </a:t>
-            </a:r>
-            <a:r>
-              <a:rPr lang="ko-KR" altLang="en-US" dirty="0"/>
-              <a:t>후 자동적으로 </a:t>
-            </a:r>
-            <a:r>
-              <a:rPr lang="en-US" altLang="ko-KR" dirty="0"/>
-              <a:t>git </a:t>
-            </a:r>
-            <a:r>
-              <a:rPr lang="ko-KR" altLang="en-US" dirty="0"/>
-              <a:t>관리 설정이 됨</a:t>
-            </a:r>
-            <a:r>
-              <a:rPr lang="en-US" altLang="ko-KR" dirty="0"/>
-              <a:t>(</a:t>
-            </a:r>
-            <a:r>
-              <a:rPr lang="en-US" altLang="ko-KR" dirty="0" err="1"/>
-              <a:t>git</a:t>
-            </a:r>
-            <a:r>
-              <a:rPr lang="en-US" altLang="ko-KR" dirty="0"/>
+            <a:r>
+              <a:rPr lang="en-US" altLang="ko-KR" dirty="0" smtClean="0"/>
               <a:t> </a:t>
-            </a:r>
-            <a:r>
-              <a:rPr lang="en-US" altLang="ko-KR" dirty="0" err="1" smtClean="0"/>
-              <a:t>init</a:t>
-            </a:r>
-            <a:r>
-              <a:rPr lang="ko-KR" altLang="en-US" dirty="0" smtClean="0"/>
-              <a:t>한 것과 같음</a:t>
-            </a:r>
-            <a:r>
-              <a:rPr lang="en-US" altLang="ko-KR" dirty="0" smtClean="0"/>
-              <a:t>)</a:t>
             </a:r>
             <a:endParaRPr lang="ko-KR" altLang="en-US" dirty="0"/>
           </a:p>
         </p:txBody>
       </p:sp>
-      <p:pic>
-        <p:nvPicPr>
-          <p:cNvPr id="5" name="그림 4" descr="스크린샷이(가) 표시된 사진&#10;&#10;자동 생성된 설명">
-            <a:extLst>
-              <a:ext uri="{FF2B5EF4-FFF2-40B4-BE49-F238E27FC236}">
-                <a16:creationId xmlns:a16="http://schemas.microsoft.com/office/drawing/2014/main" id="{AFCA536A-5F66-4DA2-B2E4-79AECF2422E9}"/>
-              </a:ext>
-            </a:extLst>
-          </p:cNvPr>
-          <p:cNvPicPr>
-            <a:picLocks noChangeAspect="1"/>
-          </p:cNvPicPr>
-          <p:nvPr/>
-        </p:nvPicPr>
-        <p:blipFill rotWithShape="1">
-          <a:blip r:embed="rId3"/>
-          <a:srcRect b="43728"/>
-          <a:stretch/>
-        </p:blipFill>
-        <p:spPr>
-          <a:xfrm>
-            <a:off x="1228103" y="1843328"/>
-            <a:ext cx="8289861" cy="1735173"/>
-          </a:xfrm>
-          <a:prstGeom prst="rect">
-            <a:avLst/>
-          </a:prstGeom>
-        </p:spPr>
-      </p:pic>
-      <p:pic>
-        <p:nvPicPr>
-          <p:cNvPr id="7" name="그림 6" descr="노트북, 화면, 그리기이(가) 표시된 사진&#10;&#10;자동 생성된 설명">
-            <a:extLst>
-              <a:ext uri="{FF2B5EF4-FFF2-40B4-BE49-F238E27FC236}">
-                <a16:creationId xmlns:a16="http://schemas.microsoft.com/office/drawing/2014/main" id="{BD1CB961-BEA2-4406-B5A8-0479CCF9E0D9}"/>
-              </a:ext>
-            </a:extLst>
-          </p:cNvPr>
-          <p:cNvPicPr>
-            <a:picLocks noChangeAspect="1"/>
-          </p:cNvPicPr>
-          <p:nvPr/>
-        </p:nvPicPr>
-        <p:blipFill rotWithShape="1">
-          <a:blip r:embed="rId4"/>
-          <a:srcRect b="43698"/>
-          <a:stretch/>
-        </p:blipFill>
-        <p:spPr>
-          <a:xfrm>
-            <a:off x="1228104" y="4534458"/>
-            <a:ext cx="8247082" cy="1660074"/>
-          </a:xfrm>
-          <a:prstGeom prst="rect">
-            <a:avLst/>
-          </a:prstGeom>
-        </p:spPr>
-      </p:pic>
       <p:sp>
         <p:nvSpPr>
           <p:cNvPr id="4" name="TextBox 3"/>
@@ -15989,13 +17171,7 @@
       </p:grpSpPr>
       <p:sp>
         <p:nvSpPr>
-          <p:cNvPr id="2" name="제목 1">
-            <a:extLst>
-              <a:ext uri="{FF2B5EF4-FFF2-40B4-BE49-F238E27FC236}">
-                <a16:creationId xmlns:a16="http://schemas.microsoft.com/office/drawing/2014/main" id="{D95CB9DE-78DF-4238-9045-BD877CABDAA1}"/>
-              </a:ext>
-            </a:extLst>
-          </p:cNvPr>
+          <p:cNvPr id="2" name="제목 1"/>
           <p:cNvSpPr>
             <a:spLocks noGrp="1"/>
           </p:cNvSpPr>
@@ -16003,45 +17179,18 @@
             <p:ph type="title"/>
           </p:nvPr>
         </p:nvSpPr>
-        <p:spPr>
-          <a:xfrm>
-            <a:off x="151453" y="104406"/>
-            <a:ext cx="10515600" cy="989289"/>
-          </a:xfrm>
-        </p:spPr>
+        <p:spPr/>
         <p:txBody>
           <a:bodyPr/>
           <a:lstStyle/>
           <a:p>
-            <a:r>
-              <a:rPr lang="ko-KR" altLang="en-US" dirty="0"/>
-              <a:t>로컬 저장소</a:t>
-            </a:r>
-            <a:r>
-              <a:rPr lang="en-US" altLang="ko-KR" dirty="0"/>
-              <a:t>(Local Repository) </a:t>
-            </a:r>
-            <a:r>
-              <a:rPr lang="ko-KR" altLang="en-US" dirty="0"/>
-              <a:t>관리</a:t>
-            </a:r>
-            <a:r>
-              <a:rPr lang="en-US" altLang="ko-KR" dirty="0"/>
-              <a:t>  </a:t>
-            </a:r>
-            <a:endParaRPr lang="ko-KR" altLang="en-US" dirty="0"/>
+            <a:endParaRPr lang="ko-KR" altLang="en-US"/>
           </a:p>
         </p:txBody>
       </p:sp>
       <p:sp>
         <p:nvSpPr>
-          <p:cNvPr id="3" name="내용 개체 틀 2">
-            <a:extLst>
-              <a:ext uri="{FF2B5EF4-FFF2-40B4-BE49-F238E27FC236}">
-                <a16:creationId xmlns:a16="http://schemas.microsoft.com/office/drawing/2014/main" id="{A3389BB5-0D3E-45F5-871F-9B7742026947}"/>
-              </a:ext>
-            </a:extLst>
-          </p:cNvPr>
+          <p:cNvPr id="3" name="내용 개체 틀 2"/>
           <p:cNvSpPr>
             <a:spLocks noGrp="1"/>
           </p:cNvSpPr>
@@ -16049,251 +17198,101 @@
             <p:ph idx="1"/>
           </p:nvPr>
         </p:nvSpPr>
-        <p:spPr>
-          <a:xfrm>
-            <a:off x="838200" y="1133154"/>
-            <a:ext cx="10515600" cy="5193727"/>
-          </a:xfrm>
-        </p:spPr>
+        <p:spPr/>
         <p:txBody>
-          <a:bodyPr>
-            <a:normAutofit/>
-          </a:bodyPr>
+          <a:bodyPr/>
           <a:lstStyle/>
           <a:p>
             <a:r>
               <a:rPr lang="en-US" altLang="ko-KR" dirty="0"/>
-              <a:t>$ vi README.md  // </a:t>
+              <a:t>clone </a:t>
             </a:r>
             <a:r>
               <a:rPr lang="ko-KR" altLang="en-US" dirty="0"/>
-              <a:t>기존 파일 수정</a:t>
-            </a:r>
-            <a:endParaRPr lang="en-US" altLang="ko-KR" dirty="0"/>
-          </a:p>
-          <a:p>
+              <a:t>후 자동적으로 </a:t>
+            </a:r>
+            <a:r>
+              <a:rPr lang="en-US" altLang="ko-KR" dirty="0" err="1"/>
+              <a:t>git</a:t>
+            </a:r>
             <a:r>
               <a:rPr lang="en-US" altLang="ko-KR" dirty="0"/>
-              <a:t>md</a:t>
+              <a:t> </a:t>
             </a:r>
             <a:r>
               <a:rPr lang="ko-KR" altLang="en-US" dirty="0"/>
-              <a:t> 파일은 </a:t>
+              <a:t>관리 설정이 됨</a:t>
             </a:r>
             <a:r>
               <a:rPr lang="en-US" altLang="ko-KR" dirty="0"/>
-              <a:t>mark down </a:t>
+              <a:t>(</a:t>
+            </a:r>
+            <a:r>
+              <a:rPr lang="en-US" altLang="ko-KR" dirty="0" err="1"/>
+              <a:t>git</a:t>
+            </a:r>
+            <a:r>
+              <a:rPr lang="en-US" altLang="ko-KR" dirty="0"/>
+              <a:t> </a:t>
+            </a:r>
+            <a:r>
+              <a:rPr lang="en-US" altLang="ko-KR" dirty="0" err="1"/>
+              <a:t>init</a:t>
             </a:r>
             <a:r>
               <a:rPr lang="ko-KR" altLang="en-US" dirty="0"/>
-              <a:t>형식의 파일임</a:t>
-            </a:r>
-            <a:endParaRPr lang="en-US" altLang="ko-KR" dirty="0"/>
-          </a:p>
-          <a:p>
-            <a:pPr lvl="1"/>
-            <a:r>
-              <a:rPr lang="ko-KR" altLang="en-US" dirty="0"/>
-              <a:t>참고 </a:t>
+              <a:t>한 것과 같음</a:t>
             </a:r>
             <a:r>
               <a:rPr lang="en-US" altLang="ko-KR" dirty="0"/>
-              <a:t>: </a:t>
-            </a:r>
-            <a:r>
-              <a:rPr lang="en-US" altLang="ko-KR" sz="2000" dirty="0">
-                <a:hlinkClick r:id="rId2"/>
-              </a:rPr>
-              <a:t>https://gist.github.com/ihoneymon/652be052a0727ad59601</a:t>
-            </a:r>
-            <a:endParaRPr lang="en-US" altLang="ko-KR" dirty="0"/>
-          </a:p>
-          <a:p>
-            <a:endParaRPr lang="en-US" altLang="ko-KR" dirty="0"/>
-          </a:p>
-          <a:p>
-            <a:endParaRPr lang="en-US" altLang="ko-KR" dirty="0"/>
-          </a:p>
-          <a:p>
-            <a:endParaRPr lang="en-US" altLang="ko-KR" dirty="0"/>
-          </a:p>
-          <a:p>
-            <a:endParaRPr lang="en-US" altLang="ko-KR" dirty="0"/>
-          </a:p>
-          <a:p>
-            <a:endParaRPr lang="en-US" altLang="ko-KR" dirty="0"/>
-          </a:p>
-          <a:p>
-            <a:pPr lvl="1"/>
-            <a:endParaRPr lang="en-US" altLang="ko-KR" dirty="0"/>
+              <a:t>)</a:t>
+            </a:r>
+            <a:endParaRPr lang="ko-KR" altLang="en-US" dirty="0"/>
+          </a:p>
+          <a:p>
+            <a:endParaRPr lang="ko-KR" altLang="en-US" dirty="0"/>
           </a:p>
         </p:txBody>
       </p:sp>
       <p:pic>
         <p:nvPicPr>
-          <p:cNvPr id="4" name="그림 3"/>
+          <p:cNvPr id="4" name="그림 3" descr="노트북, 화면, 그리기이(가) 표시된 사진&#10;&#10;자동 생성된 설명">
+            <a:extLst>
+              <a:ext uri="{FF2B5EF4-FFF2-40B4-BE49-F238E27FC236}">
+                <a16:creationId xmlns:a16="http://schemas.microsoft.com/office/drawing/2014/main" id="{BD1CB961-BEA2-4406-B5A8-0479CCF9E0D9}"/>
+              </a:ext>
+            </a:extLst>
+          </p:cNvPr>
           <p:cNvPicPr>
             <a:picLocks noChangeAspect="1"/>
           </p:cNvPicPr>
           <p:nvPr/>
         </p:nvPicPr>
-        <p:blipFill>
-          <a:blip r:embed="rId3"/>
-          <a:stretch>
-            <a:fillRect/>
-          </a:stretch>
+        <p:blipFill rotWithShape="1">
+          <a:blip r:embed="rId2"/>
+          <a:srcRect b="43698"/>
+          <a:stretch/>
         </p:blipFill>
         <p:spPr>
           <a:xfrm>
-            <a:off x="6096000" y="2865159"/>
-            <a:ext cx="2743583" cy="3677163"/>
+            <a:off x="1555908" y="1610103"/>
+            <a:ext cx="8247082" cy="1660074"/>
           </a:xfrm>
           <a:prstGeom prst="rect">
             <a:avLst/>
           </a:prstGeom>
-          <a:ln>
-            <a:solidFill>
-              <a:schemeClr val="tx1">
-                <a:lumMod val="75000"/>
-                <a:lumOff val="25000"/>
-              </a:schemeClr>
-            </a:solidFill>
-          </a:ln>
         </p:spPr>
       </p:pic>
-      <p:pic>
-        <p:nvPicPr>
-          <p:cNvPr id="8" name="그림 7"/>
-          <p:cNvPicPr>
-            <a:picLocks noChangeAspect="1"/>
-          </p:cNvPicPr>
-          <p:nvPr/>
-        </p:nvPicPr>
-        <p:blipFill>
-          <a:blip r:embed="rId4"/>
-          <a:stretch>
-            <a:fillRect/>
-          </a:stretch>
-        </p:blipFill>
-        <p:spPr>
-          <a:xfrm>
-            <a:off x="820648" y="2865159"/>
-            <a:ext cx="3807268" cy="3422263"/>
-          </a:xfrm>
-          <a:prstGeom prst="rect">
-            <a:avLst/>
-          </a:prstGeom>
-          <a:ln>
-            <a:solidFill>
-              <a:schemeClr val="tx1">
-                <a:lumMod val="75000"/>
-                <a:lumOff val="25000"/>
-              </a:schemeClr>
-            </a:solidFill>
-          </a:ln>
-        </p:spPr>
-      </p:pic>
-      <p:sp>
-        <p:nvSpPr>
-          <p:cNvPr id="9" name="TextBox 8"/>
-          <p:cNvSpPr txBox="1"/>
-          <p:nvPr/>
-        </p:nvSpPr>
-        <p:spPr>
-          <a:xfrm>
-            <a:off x="1939769" y="6326881"/>
-            <a:ext cx="2900666" cy="369332"/>
-          </a:xfrm>
-          <a:prstGeom prst="rect">
-            <a:avLst/>
-          </a:prstGeom>
-          <a:noFill/>
-        </p:spPr>
-        <p:txBody>
-          <a:bodyPr wrap="none" rtlCol="0">
-            <a:spAutoFit/>
-          </a:bodyPr>
-          <a:lstStyle/>
-          <a:p>
-            <a:r>
-              <a:rPr lang="en-US" altLang="ko-KR" b="1" dirty="0" smtClean="0">
-                <a:solidFill>
-                  <a:srgbClr val="0000FF"/>
-                </a:solidFill>
-              </a:rPr>
-              <a:t>markdown </a:t>
-            </a:r>
-            <a:r>
-              <a:rPr lang="ko-KR" altLang="en-US" b="1" dirty="0" smtClean="0">
-                <a:solidFill>
-                  <a:srgbClr val="0000FF"/>
-                </a:solidFill>
-              </a:rPr>
-              <a:t>포맷으로 작성</a:t>
-            </a:r>
-            <a:endParaRPr lang="ko-KR" altLang="en-US" b="1" dirty="0">
-              <a:solidFill>
-                <a:srgbClr val="0000FF"/>
-              </a:solidFill>
-            </a:endParaRPr>
-          </a:p>
-        </p:txBody>
-      </p:sp>
-      <p:sp>
-        <p:nvSpPr>
-          <p:cNvPr id="10" name="TextBox 9"/>
-          <p:cNvSpPr txBox="1"/>
-          <p:nvPr/>
-        </p:nvSpPr>
-        <p:spPr>
-          <a:xfrm>
-            <a:off x="8858551" y="6181674"/>
-            <a:ext cx="646331" cy="369332"/>
-          </a:xfrm>
-          <a:prstGeom prst="rect">
-            <a:avLst/>
-          </a:prstGeom>
-          <a:noFill/>
-        </p:spPr>
-        <p:txBody>
-          <a:bodyPr wrap="none" rtlCol="0">
-            <a:spAutoFit/>
-          </a:bodyPr>
-          <a:lstStyle/>
-          <a:p>
-            <a:r>
-              <a:rPr lang="ko-KR" altLang="en-US" dirty="0" smtClean="0">
-                <a:solidFill>
-                  <a:srgbClr val="0000FF"/>
-                </a:solidFill>
-              </a:rPr>
-              <a:t>실행</a:t>
-            </a:r>
-            <a:endParaRPr lang="ko-KR" altLang="en-US" dirty="0">
-              <a:solidFill>
-                <a:srgbClr val="0000FF"/>
-              </a:solidFill>
-            </a:endParaRPr>
-          </a:p>
-        </p:txBody>
-      </p:sp>
     </p:spTree>
     <p:extLst>
       <p:ext uri="{BB962C8B-B14F-4D97-AF65-F5344CB8AC3E}">
-        <p14:creationId xmlns:p14="http://schemas.microsoft.com/office/powerpoint/2010/main" val="1768488341"/>
+        <p14:creationId xmlns:p14="http://schemas.microsoft.com/office/powerpoint/2010/main" val="1784158070"/>
       </p:ext>
     </p:extLst>
   </p:cSld>
   <p:clrMapOvr>
     <a:masterClrMapping/>
   </p:clrMapOvr>
-  <p:timing>
-    <p:tnLst>
-      <p:par>
-        <p:cTn id="1" dur="indefinite" restart="never" nodeType="tmRoot"/>
-      </p:par>
-    </p:tnLst>
-  </p:timing>
 </p:sld>
 </file>
 

--- a/09-Github.pptx
+++ b/09-Github.pptx
@@ -290,7 +290,7 @@
           <a:p>
             <a:fld id="{5A12193C-B658-314F-A6DD-A50FD31078B8}" type="datetimeFigureOut">
               <a:rPr kumimoji="1" lang="ko-KR" altLang="en-US" smtClean="0"/>
-              <a:t>2020-11-16</a:t>
+              <a:t>2020-11-23</a:t>
             </a:fld>
             <a:endParaRPr kumimoji="1" lang="ko-KR" altLang="en-US"/>
           </a:p>
@@ -517,7 +517,7 @@
           <a:p>
             <a:fld id="{5A12193C-B658-314F-A6DD-A50FD31078B8}" type="datetimeFigureOut">
               <a:rPr kumimoji="1" lang="ko-KR" altLang="en-US" smtClean="0"/>
-              <a:t>2020-11-16</a:t>
+              <a:t>2020-11-23</a:t>
             </a:fld>
             <a:endParaRPr kumimoji="1" lang="ko-KR" altLang="en-US"/>
           </a:p>
@@ -713,7 +713,7 @@
           <a:p>
             <a:fld id="{5A12193C-B658-314F-A6DD-A50FD31078B8}" type="datetimeFigureOut">
               <a:rPr kumimoji="1" lang="ko-KR" altLang="en-US" smtClean="0"/>
-              <a:t>2020-11-16</a:t>
+              <a:t>2020-11-23</a:t>
             </a:fld>
             <a:endParaRPr kumimoji="1" lang="ko-KR" altLang="en-US"/>
           </a:p>
@@ -1160,7 +1160,7 @@
           <a:p>
             <a:fld id="{5A12193C-B658-314F-A6DD-A50FD31078B8}" type="datetimeFigureOut">
               <a:rPr kumimoji="1" lang="ko-KR" altLang="en-US" smtClean="0"/>
-              <a:t>2020-11-16</a:t>
+              <a:t>2020-11-23</a:t>
             </a:fld>
             <a:endParaRPr kumimoji="1" lang="ko-KR" altLang="en-US"/>
           </a:p>
@@ -1408,7 +1408,7 @@
           <a:p>
             <a:fld id="{5A12193C-B658-314F-A6DD-A50FD31078B8}" type="datetimeFigureOut">
               <a:rPr kumimoji="1" lang="ko-KR" altLang="en-US" smtClean="0"/>
-              <a:t>2020-11-16</a:t>
+              <a:t>2020-11-23</a:t>
             </a:fld>
             <a:endParaRPr kumimoji="1" lang="ko-KR" altLang="en-US"/>
           </a:p>
@@ -1791,7 +1791,7 @@
           <a:p>
             <a:fld id="{5A12193C-B658-314F-A6DD-A50FD31078B8}" type="datetimeFigureOut">
               <a:rPr kumimoji="1" lang="ko-KR" altLang="en-US" smtClean="0"/>
-              <a:t>2020-11-16</a:t>
+              <a:t>2020-11-23</a:t>
             </a:fld>
             <a:endParaRPr kumimoji="1" lang="ko-KR" altLang="en-US"/>
           </a:p>
@@ -1925,7 +1925,7 @@
           <a:p>
             <a:fld id="{5A12193C-B658-314F-A6DD-A50FD31078B8}" type="datetimeFigureOut">
               <a:rPr kumimoji="1" lang="ko-KR" altLang="en-US" smtClean="0"/>
-              <a:t>2020-11-16</a:t>
+              <a:t>2020-11-23</a:t>
             </a:fld>
             <a:endParaRPr kumimoji="1" lang="ko-KR" altLang="en-US"/>
           </a:p>
@@ -2036,7 +2036,7 @@
           <a:p>
             <a:fld id="{5A12193C-B658-314F-A6DD-A50FD31078B8}" type="datetimeFigureOut">
               <a:rPr kumimoji="1" lang="ko-KR" altLang="en-US" smtClean="0"/>
-              <a:t>2020-11-16</a:t>
+              <a:t>2020-11-23</a:t>
             </a:fld>
             <a:endParaRPr kumimoji="1" lang="ko-KR" altLang="en-US"/>
           </a:p>
@@ -2329,7 +2329,7 @@
           <a:p>
             <a:fld id="{5A12193C-B658-314F-A6DD-A50FD31078B8}" type="datetimeFigureOut">
               <a:rPr kumimoji="1" lang="ko-KR" altLang="en-US" smtClean="0"/>
-              <a:t>2020-11-16</a:t>
+              <a:t>2020-11-23</a:t>
             </a:fld>
             <a:endParaRPr kumimoji="1" lang="ko-KR" altLang="en-US"/>
           </a:p>
@@ -2602,7 +2602,7 @@
           <a:p>
             <a:fld id="{5A12193C-B658-314F-A6DD-A50FD31078B8}" type="datetimeFigureOut">
               <a:rPr kumimoji="1" lang="ko-KR" altLang="en-US" smtClean="0"/>
-              <a:t>2020-11-16</a:t>
+              <a:t>2020-11-23</a:t>
             </a:fld>
             <a:endParaRPr kumimoji="1" lang="ko-KR" altLang="en-US"/>
           </a:p>
@@ -3282,10 +3282,10 @@
                   </a:outerShdw>
                 </a:effectLst>
               </a:rPr>
-              <a:t>생성 및 활용</a:t>
-            </a:r>
-            <a:r>
-              <a:rPr kumimoji="1" lang="en-US" altLang="ko-KR" b="1" dirty="0">
+              <a:t>생성 </a:t>
+            </a:r>
+            <a:r>
+              <a:rPr kumimoji="1" lang="ko-KR" altLang="en-US" b="1">
                 <a:effectLst>
                   <a:outerShdw blurRad="38100" dist="38100" dir="2700000" algn="tl">
                     <a:srgbClr val="000000">
@@ -3294,7 +3294,19 @@
                   </a:outerShdw>
                 </a:effectLst>
               </a:rPr>
-              <a:t>(I)</a:t>
+              <a:t>및 </a:t>
+            </a:r>
+            <a:r>
+              <a:rPr kumimoji="1" lang="ko-KR" altLang="en-US" b="1" smtClean="0">
+                <a:effectLst>
+                  <a:outerShdw blurRad="38100" dist="38100" dir="2700000" algn="tl">
+                    <a:srgbClr val="000000">
+                      <a:alpha val="43137"/>
+                    </a:srgbClr>
+                  </a:outerShdw>
+                </a:effectLst>
+              </a:rPr>
+              <a:t>활용</a:t>
             </a:r>
             <a:endParaRPr kumimoji="1" lang="ko-KR" altLang="en-US" b="1" dirty="0">
               <a:effectLst>
